--- a/Documentation/Wireframes/Merchant Statements _Recon.pptx
+++ b/Documentation/Wireframes/Merchant Statements _Recon.pptx
@@ -6,8 +6,10 @@
   </p:sldMasterIdLst>
   <p:sldIdLst>
     <p:sldId id="257" r:id="rId14"/>
-    <p:sldId id="258" r:id="rId15"/>
-    <p:sldId id="259" r:id="rId16"/>
+    <p:sldId id="259" r:id="rId15"/>
+    <p:sldId id="258" r:id="rId16"/>
+    <p:sldId id="260" r:id="rId17"/>
+    <p:sldId id="261" r:id="rId18"/>
   </p:sldIdLst>
   <p:sldSz cx="12192000" cy="6858000"/>
   <p:notesSz cx="6858000" cy="9144000"/>
@@ -245,7 +247,7 @@
           <a:p>
             <a:fld id="{E99FFB76-092E-4B00-9B7C-A591D1E80FAD}" type="datetimeFigureOut">
               <a:rPr lang="en-US" smtClean="0"/>
-              <a:t>8/21/2014</a:t>
+              <a:t>8/23/2014</a:t>
             </a:fld>
             <a:endParaRPr lang="en-US"/>
           </a:p>
@@ -415,7 +417,7 @@
           <a:p>
             <a:fld id="{E99FFB76-092E-4B00-9B7C-A591D1E80FAD}" type="datetimeFigureOut">
               <a:rPr lang="en-US" smtClean="0"/>
-              <a:t>8/21/2014</a:t>
+              <a:t>8/23/2014</a:t>
             </a:fld>
             <a:endParaRPr lang="en-US"/>
           </a:p>
@@ -595,7 +597,7 @@
           <a:p>
             <a:fld id="{E99FFB76-092E-4B00-9B7C-A591D1E80FAD}" type="datetimeFigureOut">
               <a:rPr lang="en-US" smtClean="0"/>
-              <a:t>8/21/2014</a:t>
+              <a:t>8/23/2014</a:t>
             </a:fld>
             <a:endParaRPr lang="en-US"/>
           </a:p>
@@ -765,7 +767,7 @@
           <a:p>
             <a:fld id="{E99FFB76-092E-4B00-9B7C-A591D1E80FAD}" type="datetimeFigureOut">
               <a:rPr lang="en-US" smtClean="0"/>
-              <a:t>8/21/2014</a:t>
+              <a:t>8/23/2014</a:t>
             </a:fld>
             <a:endParaRPr lang="en-US"/>
           </a:p>
@@ -1011,7 +1013,7 @@
           <a:p>
             <a:fld id="{E99FFB76-092E-4B00-9B7C-A591D1E80FAD}" type="datetimeFigureOut">
               <a:rPr lang="en-US" smtClean="0"/>
-              <a:t>8/21/2014</a:t>
+              <a:t>8/23/2014</a:t>
             </a:fld>
             <a:endParaRPr lang="en-US"/>
           </a:p>
@@ -1243,7 +1245,7 @@
           <a:p>
             <a:fld id="{E99FFB76-092E-4B00-9B7C-A591D1E80FAD}" type="datetimeFigureOut">
               <a:rPr lang="en-US" smtClean="0"/>
-              <a:t>8/21/2014</a:t>
+              <a:t>8/23/2014</a:t>
             </a:fld>
             <a:endParaRPr lang="en-US"/>
           </a:p>
@@ -1610,7 +1612,7 @@
           <a:p>
             <a:fld id="{E99FFB76-092E-4B00-9B7C-A591D1E80FAD}" type="datetimeFigureOut">
               <a:rPr lang="en-US" smtClean="0"/>
-              <a:t>8/21/2014</a:t>
+              <a:t>8/23/2014</a:t>
             </a:fld>
             <a:endParaRPr lang="en-US"/>
           </a:p>
@@ -1728,7 +1730,7 @@
           <a:p>
             <a:fld id="{E99FFB76-092E-4B00-9B7C-A591D1E80FAD}" type="datetimeFigureOut">
               <a:rPr lang="en-US" smtClean="0"/>
-              <a:t>8/21/2014</a:t>
+              <a:t>8/23/2014</a:t>
             </a:fld>
             <a:endParaRPr lang="en-US"/>
           </a:p>
@@ -1823,7 +1825,7 @@
           <a:p>
             <a:fld id="{E99FFB76-092E-4B00-9B7C-A591D1E80FAD}" type="datetimeFigureOut">
               <a:rPr lang="en-US" smtClean="0"/>
-              <a:t>8/21/2014</a:t>
+              <a:t>8/23/2014</a:t>
             </a:fld>
             <a:endParaRPr lang="en-US"/>
           </a:p>
@@ -2100,7 +2102,7 @@
           <a:p>
             <a:fld id="{E99FFB76-092E-4B00-9B7C-A591D1E80FAD}" type="datetimeFigureOut">
               <a:rPr lang="en-US" smtClean="0"/>
-              <a:t>8/21/2014</a:t>
+              <a:t>8/23/2014</a:t>
             </a:fld>
             <a:endParaRPr lang="en-US"/>
           </a:p>
@@ -2353,7 +2355,7 @@
           <a:p>
             <a:fld id="{E99FFB76-092E-4B00-9B7C-A591D1E80FAD}" type="datetimeFigureOut">
               <a:rPr lang="en-US" smtClean="0"/>
-              <a:t>8/21/2014</a:t>
+              <a:t>8/23/2014</a:t>
             </a:fld>
             <a:endParaRPr lang="en-US"/>
           </a:p>
@@ -2566,7 +2568,7 @@
           <a:p>
             <a:fld id="{E99FFB76-092E-4B00-9B7C-A591D1E80FAD}" type="datetimeFigureOut">
               <a:rPr lang="en-US" smtClean="0"/>
-              <a:t>8/21/2014</a:t>
+              <a:t>8/23/2014</a:t>
             </a:fld>
             <a:endParaRPr lang="en-US"/>
           </a:p>
@@ -4240,16 +4242,6 @@
                 <a:t>Merchant Recon serves two </a:t>
               </a:r>
               <a:r>
-                <a:rPr lang="en-US" sz="1200" dirty="0" err="1" smtClean="0">
-                  <a:solidFill>
-                    <a:sysClr val="windowText" lastClr="000000"/>
-                  </a:solidFill>
-                  <a:latin typeface="Segoe UI" pitchFamily="34" charset="0"/>
-                  <a:cs typeface="Segoe UI" pitchFamily="34" charset="0"/>
-                </a:rPr>
-                <a:t>pursposes</a:t>
-              </a:r>
-              <a:r>
                 <a:rPr lang="en-US" sz="1200" dirty="0" smtClean="0">
                   <a:solidFill>
                     <a:sysClr val="windowText" lastClr="000000"/>
@@ -4257,8 +4249,15 @@
                   <a:latin typeface="Segoe UI" pitchFamily="34" charset="0"/>
                   <a:cs typeface="Segoe UI" pitchFamily="34" charset="0"/>
                 </a:rPr>
-                <a:t>:</a:t>
+                <a:t>purposes:</a:t>
               </a:r>
+              <a:endParaRPr lang="en-US" sz="1200" dirty="0" smtClean="0">
+                <a:solidFill>
+                  <a:sysClr val="windowText" lastClr="000000"/>
+                </a:solidFill>
+                <a:latin typeface="Segoe UI" pitchFamily="34" charset="0"/>
+                <a:cs typeface="Segoe UI" pitchFamily="34" charset="0"/>
+              </a:endParaRPr>
             </a:p>
             <a:p>
               <a:endParaRPr lang="en-US" sz="1200" dirty="0">
@@ -4434,14 +4433,14 @@
       </p:grpSpPr>
       <p:sp>
         <p:nvSpPr>
-          <p:cNvPr id="6" name="TextBox 5"/>
+          <p:cNvPr id="2" name="TextBox 1"/>
           <p:cNvSpPr txBox="1"/>
           <p:nvPr/>
         </p:nvSpPr>
         <p:spPr>
           <a:xfrm>
-            <a:off x="807720" y="731520"/>
-            <a:ext cx="2844497" cy="369332"/>
+            <a:off x="457200" y="518160"/>
+            <a:ext cx="10871735" cy="1477328"/>
           </a:xfrm>
           <a:prstGeom prst="rect">
             <a:avLst/>
@@ -4449,6 +4448,91 @@
           <a:noFill/>
         </p:spPr>
         <p:txBody>
+          <a:bodyPr wrap="square" rtlCol="0">
+            <a:spAutoFit/>
+          </a:bodyPr>
+          <a:lstStyle/>
+          <a:p>
+            <a:r>
+              <a:rPr lang="en-US" dirty="0" smtClean="0"/>
+              <a:t>Step 1: </a:t>
+            </a:r>
+          </a:p>
+          <a:p>
+            <a:r>
+              <a:rPr lang="en-US" dirty="0" smtClean="0"/>
+              <a:t>view all “Deposits not Notified” for Zenit</a:t>
+            </a:r>
+            <a:r>
+              <a:rPr lang="en-US" dirty="0" smtClean="0"/>
+              <a:t>h and FCMB </a:t>
+            </a:r>
+          </a:p>
+          <a:p>
+            <a:r>
+              <a:rPr lang="en-US" dirty="0" smtClean="0"/>
+              <a:t>If Dealer deposits can be found, then a notification must be made and approved, so that the dealer’s deposit is correctly credited.</a:t>
+            </a:r>
+          </a:p>
+          <a:p>
+            <a:endParaRPr lang="en-US" dirty="0"/>
+          </a:p>
+        </p:txBody>
+      </p:sp>
+    </p:spTree>
+    <p:extLst>
+      <p:ext uri="{BB962C8B-B14F-4D97-AF65-F5344CB8AC3E}">
+        <p14:creationId xmlns:p14="http://schemas.microsoft.com/office/powerpoint/2010/main" val="1113104476"/>
+      </p:ext>
+    </p:extLst>
+  </p:cSld>
+  <p:clrMapOvr>
+    <a:masterClrMapping/>
+  </p:clrMapOvr>
+  <p:timing>
+    <p:tnLst>
+      <p:par>
+        <p:cTn id="1" dur="indefinite" restart="never" nodeType="tmRoot"/>
+      </p:par>
+    </p:tnLst>
+  </p:timing>
+</p:sld>
+</file>
+
+<file path=ppt/slides/slide3.xml><?xml version="1.0" encoding="utf-8"?>
+<p:sld xmlns:a="http://schemas.openxmlformats.org/drawingml/2006/main" xmlns:r="http://schemas.openxmlformats.org/officeDocument/2006/relationships" xmlns:p="http://schemas.openxmlformats.org/presentationml/2006/main">
+  <p:cSld>
+    <p:spTree>
+      <p:nvGrpSpPr>
+        <p:cNvPr id="1" name=""/>
+        <p:cNvGrpSpPr/>
+        <p:nvPr/>
+      </p:nvGrpSpPr>
+      <p:grpSpPr>
+        <a:xfrm>
+          <a:off x="0" y="0"/>
+          <a:ext cx="0" cy="0"/>
+          <a:chOff x="0" y="0"/>
+          <a:chExt cx="0" cy="0"/>
+        </a:xfrm>
+      </p:grpSpPr>
+      <p:sp>
+        <p:nvSpPr>
+          <p:cNvPr id="6" name="TextBox 5"/>
+          <p:cNvSpPr txBox="1"/>
+          <p:nvPr/>
+        </p:nvSpPr>
+        <p:spPr>
+          <a:xfrm>
+            <a:off x="277570" y="616501"/>
+            <a:ext cx="7820411" cy="369332"/>
+          </a:xfrm>
+          <a:prstGeom prst="rect">
+            <a:avLst/>
+          </a:prstGeom>
+          <a:noFill/>
+        </p:spPr>
+        <p:txBody>
           <a:bodyPr wrap="none" rtlCol="0">
             <a:spAutoFit/>
           </a:bodyPr>
@@ -4456,7 +4540,7 @@
           <a:p>
             <a:r>
               <a:rPr lang="en-US" dirty="0" smtClean="0"/>
-              <a:t>View Dealer Deposit Activity</a:t>
+              <a:t>Step 2: View Discrepancies between notification amount and cash pool amount</a:t>
             </a:r>
             <a:endParaRPr lang="en-US" dirty="0"/>
           </a:p>
@@ -4475,7 +4559,7 @@
           </p:nvPr>
         </p:nvPicPr>
         <p:blipFill>
-          <a:blip r:embed="rId13">
+          <a:blip r:embed="rId12">
             <a:extLst>
               <a:ext uri="{28A0092B-C50C-407E-A947-70E740481C1C}">
                 <a14:useLocalDpi xmlns:a14="http://schemas.microsoft.com/office/drawing/2010/main" val="0"/>
@@ -4590,7 +4674,7 @@
             <p:nvPr/>
           </p:nvPicPr>
           <p:blipFill>
-            <a:blip r:embed="rId14" cstate="print">
+            <a:blip r:embed="rId13" cstate="print">
               <a:extLst>
                 <a:ext uri="{28A0092B-C50C-407E-A947-70E740481C1C}">
                   <a14:useLocalDpi xmlns:a14="http://schemas.microsoft.com/office/drawing/2010/main" val="0"/>
@@ -4717,7 +4801,7 @@
             <p:nvPr/>
           </p:nvPicPr>
           <p:blipFill>
-            <a:blip r:embed="rId14" cstate="print">
+            <a:blip r:embed="rId13" cstate="print">
               <a:extLst>
                 <a:ext uri="{28A0092B-C50C-407E-A947-70E740481C1C}">
                   <a14:useLocalDpi xmlns:a14="http://schemas.microsoft.com/office/drawing/2010/main" val="0"/>
@@ -4787,14 +4871,6 @@
               </a:rPr>
               <a:t>Transaction Date:</a:t>
             </a:r>
-            <a:endParaRPr lang="en-US" sz="1200" dirty="0" smtClean="0">
-              <a:solidFill>
-                <a:srgbClr val="000000"/>
-              </a:solidFill>
-              <a:latin typeface="Segoe UI" pitchFamily="34" charset="0"/>
-              <a:ea typeface="Segoe UI" pitchFamily="34" charset="0"/>
-              <a:cs typeface="Segoe UI" pitchFamily="34" charset="0"/>
-            </a:endParaRPr>
           </a:p>
         </p:txBody>
       </p:sp>
@@ -4835,14 +4911,6 @@
               </a:rPr>
               <a:t>to</a:t>
             </a:r>
-            <a:endParaRPr lang="en-US" sz="1200" dirty="0" smtClean="0">
-              <a:solidFill>
-                <a:srgbClr val="000000"/>
-              </a:solidFill>
-              <a:latin typeface="Segoe UI" pitchFamily="34" charset="0"/>
-              <a:ea typeface="Segoe UI" pitchFamily="34" charset="0"/>
-              <a:cs typeface="Segoe UI" pitchFamily="34" charset="0"/>
-            </a:endParaRPr>
           </a:p>
         </p:txBody>
       </p:sp>
@@ -4883,14 +4951,6 @@
               </a:rPr>
               <a:t>Merchant:</a:t>
             </a:r>
-            <a:endParaRPr lang="en-US" sz="1200" dirty="0" smtClean="0">
-              <a:solidFill>
-                <a:srgbClr val="000000"/>
-              </a:solidFill>
-              <a:latin typeface="Segoe UI" pitchFamily="34" charset="0"/>
-              <a:ea typeface="Segoe UI" pitchFamily="34" charset="0"/>
-              <a:cs typeface="Segoe UI" pitchFamily="34" charset="0"/>
-            </a:endParaRPr>
           </a:p>
         </p:txBody>
       </p:sp>
@@ -4931,14 +4991,6 @@
               </a:rPr>
               <a:t>Dealer:</a:t>
             </a:r>
-            <a:endParaRPr lang="en-US" sz="1200" dirty="0" smtClean="0">
-              <a:solidFill>
-                <a:srgbClr val="000000"/>
-              </a:solidFill>
-              <a:latin typeface="Segoe UI" pitchFamily="34" charset="0"/>
-              <a:ea typeface="Segoe UI" pitchFamily="34" charset="0"/>
-              <a:cs typeface="Segoe UI" pitchFamily="34" charset="0"/>
-            </a:endParaRPr>
           </a:p>
         </p:txBody>
       </p:sp>
@@ -4979,14 +5031,6 @@
               </a:rPr>
               <a:t>Dealer Rep:</a:t>
             </a:r>
-            <a:endParaRPr lang="en-US" sz="1200" dirty="0" smtClean="0">
-              <a:solidFill>
-                <a:srgbClr val="000000"/>
-              </a:solidFill>
-              <a:latin typeface="Segoe UI" pitchFamily="34" charset="0"/>
-              <a:ea typeface="Segoe UI" pitchFamily="34" charset="0"/>
-              <a:cs typeface="Segoe UI" pitchFamily="34" charset="0"/>
-            </a:endParaRPr>
           </a:p>
         </p:txBody>
       </p:sp>
@@ -5177,520 +5221,21 @@
           </p:txBody>
         </p:sp>
       </p:grpSp>
-      <p:sp>
-        <p:nvSpPr>
-          <p:cNvPr id="23" name="Content"/>
-          <p:cNvSpPr txBox="1"/>
-          <p:nvPr>
-            <p:custDataLst>
-              <p:custData r:id="rId10"/>
-            </p:custDataLst>
-          </p:nvPr>
-        </p:nvSpPr>
-        <p:spPr>
-          <a:xfrm>
-            <a:off x="64987" y="2406818"/>
-            <a:ext cx="11521440" cy="415498"/>
-          </a:xfrm>
-          <a:prstGeom prst="rect">
-            <a:avLst/>
-          </a:prstGeom>
-          <a:noFill/>
-        </p:spPr>
-        <p:txBody>
-          <a:bodyPr wrap="square" lIns="91440" tIns="18288" rIns="91440" bIns="27432" rtlCol="0" anchor="ctr" anchorCtr="0">
-            <a:spAutoFit/>
-          </a:bodyPr>
-          <a:lstStyle/>
-          <a:p>
-            <a:r>
-              <a:rPr lang="en-US" sz="1200" dirty="0" err="1" smtClean="0">
-                <a:solidFill>
-                  <a:srgbClr val="000000"/>
-                </a:solidFill>
-                <a:latin typeface="Segoe UI" pitchFamily="34" charset="0"/>
-                <a:ea typeface="Segoe UI" pitchFamily="34" charset="0"/>
-                <a:cs typeface="Segoe UI" pitchFamily="34" charset="0"/>
-              </a:rPr>
-              <a:t>TxDate</a:t>
-            </a:r>
-            <a:r>
-              <a:rPr lang="en-US" sz="1200" dirty="0" smtClean="0">
-                <a:solidFill>
-                  <a:srgbClr val="000000"/>
-                </a:solidFill>
-                <a:latin typeface="Segoe UI" pitchFamily="34" charset="0"/>
-                <a:ea typeface="Segoe UI" pitchFamily="34" charset="0"/>
-                <a:cs typeface="Segoe UI" pitchFamily="34" charset="0"/>
-              </a:rPr>
-              <a:t> | Merchant | Dealer</a:t>
-            </a:r>
-            <a:r>
-              <a:rPr lang="en-US" sz="1200" dirty="0">
-                <a:solidFill>
-                  <a:srgbClr val="000000"/>
-                </a:solidFill>
-                <a:latin typeface="Segoe UI" pitchFamily="34" charset="0"/>
-                <a:ea typeface="Segoe UI" pitchFamily="34" charset="0"/>
-                <a:cs typeface="Segoe UI" pitchFamily="34" charset="0"/>
-              </a:rPr>
-              <a:t>	</a:t>
-            </a:r>
-            <a:r>
-              <a:rPr lang="en-US" sz="1200" dirty="0" smtClean="0">
-                <a:solidFill>
-                  <a:srgbClr val="000000"/>
-                </a:solidFill>
-                <a:latin typeface="Segoe UI" pitchFamily="34" charset="0"/>
-                <a:ea typeface="Segoe UI" pitchFamily="34" charset="0"/>
-                <a:cs typeface="Segoe UI" pitchFamily="34" charset="0"/>
-              </a:rPr>
-              <a:t>|</a:t>
-            </a:r>
-            <a:r>
-              <a:rPr lang="en-US" sz="1200" dirty="0" smtClean="0">
-                <a:solidFill>
-                  <a:srgbClr val="000000"/>
-                </a:solidFill>
-                <a:latin typeface="Segoe UI" pitchFamily="34" charset="0"/>
-                <a:ea typeface="Segoe UI" pitchFamily="34" charset="0"/>
-                <a:cs typeface="Segoe UI" pitchFamily="34" charset="0"/>
-              </a:rPr>
-              <a:t> Dealer </a:t>
-            </a:r>
-            <a:r>
-              <a:rPr lang="en-US" sz="1200" dirty="0" err="1" smtClean="0">
-                <a:solidFill>
-                  <a:srgbClr val="000000"/>
-                </a:solidFill>
-                <a:latin typeface="Segoe UI" pitchFamily="34" charset="0"/>
-                <a:ea typeface="Segoe UI" pitchFamily="34" charset="0"/>
-                <a:cs typeface="Segoe UI" pitchFamily="34" charset="0"/>
-              </a:rPr>
-              <a:t>Paga</a:t>
-            </a:r>
-            <a:r>
-              <a:rPr lang="en-US" sz="1200" dirty="0" smtClean="0">
-                <a:solidFill>
-                  <a:srgbClr val="000000"/>
-                </a:solidFill>
-                <a:latin typeface="Segoe UI" pitchFamily="34" charset="0"/>
-                <a:ea typeface="Segoe UI" pitchFamily="34" charset="0"/>
-                <a:cs typeface="Segoe UI" pitchFamily="34" charset="0"/>
-              </a:rPr>
-              <a:t> Account | Dealer Rep | </a:t>
-            </a:r>
-            <a:r>
-              <a:rPr lang="en-US" sz="1200" dirty="0" err="1" smtClean="0">
-                <a:solidFill>
-                  <a:srgbClr val="000000"/>
-                </a:solidFill>
-                <a:latin typeface="Segoe UI" pitchFamily="34" charset="0"/>
-                <a:ea typeface="Segoe UI" pitchFamily="34" charset="0"/>
-                <a:cs typeface="Segoe UI" pitchFamily="34" charset="0"/>
-              </a:rPr>
-              <a:t>Tx</a:t>
-            </a:r>
-            <a:r>
-              <a:rPr lang="en-US" sz="1200" dirty="0" smtClean="0">
-                <a:solidFill>
-                  <a:srgbClr val="000000"/>
-                </a:solidFill>
-                <a:latin typeface="Segoe UI" pitchFamily="34" charset="0"/>
-                <a:ea typeface="Segoe UI" pitchFamily="34" charset="0"/>
-                <a:cs typeface="Segoe UI" pitchFamily="34" charset="0"/>
-              </a:rPr>
-              <a:t> Count |</a:t>
-            </a:r>
-            <a:r>
-              <a:rPr lang="en-US" sz="1200" dirty="0">
-                <a:solidFill>
-                  <a:srgbClr val="000000"/>
-                </a:solidFill>
-                <a:latin typeface="Segoe UI" pitchFamily="34" charset="0"/>
-                <a:ea typeface="Segoe UI" pitchFamily="34" charset="0"/>
-                <a:cs typeface="Segoe UI" pitchFamily="34" charset="0"/>
-              </a:rPr>
-              <a:t> </a:t>
-            </a:r>
-            <a:r>
-              <a:rPr lang="en-US" sz="1200" dirty="0" smtClean="0">
-                <a:solidFill>
-                  <a:srgbClr val="000000"/>
-                </a:solidFill>
-                <a:latin typeface="Segoe UI" pitchFamily="34" charset="0"/>
-                <a:ea typeface="Segoe UI" pitchFamily="34" charset="0"/>
-                <a:cs typeface="Segoe UI" pitchFamily="34" charset="0"/>
-              </a:rPr>
-              <a:t>Rev </a:t>
-            </a:r>
-            <a:r>
-              <a:rPr lang="en-US" sz="1200" dirty="0" err="1" smtClean="0">
-                <a:solidFill>
-                  <a:srgbClr val="000000"/>
-                </a:solidFill>
-                <a:latin typeface="Segoe UI" pitchFamily="34" charset="0"/>
-                <a:ea typeface="Segoe UI" pitchFamily="34" charset="0"/>
-                <a:cs typeface="Segoe UI" pitchFamily="34" charset="0"/>
-              </a:rPr>
-              <a:t>Tx</a:t>
-            </a:r>
-            <a:r>
-              <a:rPr lang="en-US" sz="1200" dirty="0" smtClean="0">
-                <a:solidFill>
-                  <a:srgbClr val="000000"/>
-                </a:solidFill>
-                <a:latin typeface="Segoe UI" pitchFamily="34" charset="0"/>
-                <a:ea typeface="Segoe UI" pitchFamily="34" charset="0"/>
-                <a:cs typeface="Segoe UI" pitchFamily="34" charset="0"/>
-              </a:rPr>
-              <a:t> Count | </a:t>
-            </a:r>
-            <a:r>
-              <a:rPr lang="en-US" sz="1200" dirty="0" err="1" smtClean="0">
-                <a:solidFill>
-                  <a:srgbClr val="000000"/>
-                </a:solidFill>
-                <a:latin typeface="Segoe UI" pitchFamily="34" charset="0"/>
-                <a:ea typeface="Segoe UI" pitchFamily="34" charset="0"/>
-                <a:cs typeface="Segoe UI" pitchFamily="34" charset="0"/>
-              </a:rPr>
-              <a:t>Tx</a:t>
-            </a:r>
-            <a:r>
-              <a:rPr lang="en-US" sz="1200" dirty="0" smtClean="0">
-                <a:solidFill>
-                  <a:srgbClr val="000000"/>
-                </a:solidFill>
-                <a:latin typeface="Segoe UI" pitchFamily="34" charset="0"/>
-                <a:ea typeface="Segoe UI" pitchFamily="34" charset="0"/>
-                <a:cs typeface="Segoe UI" pitchFamily="34" charset="0"/>
-              </a:rPr>
-              <a:t> </a:t>
-            </a:r>
-            <a:r>
-              <a:rPr lang="en-US" sz="1200" dirty="0" err="1" smtClean="0">
-                <a:solidFill>
-                  <a:srgbClr val="000000"/>
-                </a:solidFill>
-                <a:latin typeface="Segoe UI" pitchFamily="34" charset="0"/>
-                <a:ea typeface="Segoe UI" pitchFamily="34" charset="0"/>
-                <a:cs typeface="Segoe UI" pitchFamily="34" charset="0"/>
-              </a:rPr>
-              <a:t>Vol</a:t>
-            </a:r>
-            <a:r>
-              <a:rPr lang="en-US" sz="1200" dirty="0" smtClean="0">
-                <a:solidFill>
-                  <a:srgbClr val="000000"/>
-                </a:solidFill>
-                <a:latin typeface="Segoe UI" pitchFamily="34" charset="0"/>
-                <a:ea typeface="Segoe UI" pitchFamily="34" charset="0"/>
-                <a:cs typeface="Segoe UI" pitchFamily="34" charset="0"/>
-              </a:rPr>
-              <a:t>	| Rev </a:t>
-            </a:r>
-            <a:r>
-              <a:rPr lang="en-US" sz="1200" dirty="0" err="1" smtClean="0">
-                <a:solidFill>
-                  <a:srgbClr val="000000"/>
-                </a:solidFill>
-                <a:latin typeface="Segoe UI" pitchFamily="34" charset="0"/>
-                <a:ea typeface="Segoe UI" pitchFamily="34" charset="0"/>
-                <a:cs typeface="Segoe UI" pitchFamily="34" charset="0"/>
-              </a:rPr>
-              <a:t>Tx</a:t>
-            </a:r>
-            <a:r>
-              <a:rPr lang="en-US" sz="1200" dirty="0" smtClean="0">
-                <a:solidFill>
-                  <a:srgbClr val="000000"/>
-                </a:solidFill>
-                <a:latin typeface="Segoe UI" pitchFamily="34" charset="0"/>
-                <a:ea typeface="Segoe UI" pitchFamily="34" charset="0"/>
-                <a:cs typeface="Segoe UI" pitchFamily="34" charset="0"/>
-              </a:rPr>
-              <a:t> </a:t>
-            </a:r>
-            <a:r>
-              <a:rPr lang="en-US" sz="1200" dirty="0" err="1" smtClean="0">
-                <a:solidFill>
-                  <a:srgbClr val="000000"/>
-                </a:solidFill>
-                <a:latin typeface="Segoe UI" pitchFamily="34" charset="0"/>
-                <a:ea typeface="Segoe UI" pitchFamily="34" charset="0"/>
-                <a:cs typeface="Segoe UI" pitchFamily="34" charset="0"/>
-              </a:rPr>
-              <a:t>Vol</a:t>
-            </a:r>
-            <a:r>
-              <a:rPr lang="en-US" sz="1200" dirty="0" smtClean="0">
-                <a:solidFill>
-                  <a:srgbClr val="000000"/>
-                </a:solidFill>
-                <a:latin typeface="Segoe UI" pitchFamily="34" charset="0"/>
-                <a:ea typeface="Segoe UI" pitchFamily="34" charset="0"/>
-                <a:cs typeface="Segoe UI" pitchFamily="34" charset="0"/>
-              </a:rPr>
-              <a:t> | Net </a:t>
-            </a:r>
-            <a:r>
-              <a:rPr lang="en-US" sz="1200" dirty="0" err="1" smtClean="0">
-                <a:solidFill>
-                  <a:srgbClr val="000000"/>
-                </a:solidFill>
-                <a:latin typeface="Segoe UI" pitchFamily="34" charset="0"/>
-                <a:ea typeface="Segoe UI" pitchFamily="34" charset="0"/>
-                <a:cs typeface="Segoe UI" pitchFamily="34" charset="0"/>
-              </a:rPr>
-              <a:t>Tx</a:t>
-            </a:r>
-            <a:r>
-              <a:rPr lang="en-US" sz="1200" dirty="0" smtClean="0">
-                <a:solidFill>
-                  <a:srgbClr val="000000"/>
-                </a:solidFill>
-                <a:latin typeface="Segoe UI" pitchFamily="34" charset="0"/>
-                <a:ea typeface="Segoe UI" pitchFamily="34" charset="0"/>
-                <a:cs typeface="Segoe UI" pitchFamily="34" charset="0"/>
-              </a:rPr>
-              <a:t> </a:t>
-            </a:r>
-            <a:r>
-              <a:rPr lang="en-US" sz="1200" dirty="0" err="1" smtClean="0">
-                <a:solidFill>
-                  <a:srgbClr val="000000"/>
-                </a:solidFill>
-                <a:latin typeface="Segoe UI" pitchFamily="34" charset="0"/>
-                <a:ea typeface="Segoe UI" pitchFamily="34" charset="0"/>
-                <a:cs typeface="Segoe UI" pitchFamily="34" charset="0"/>
-              </a:rPr>
-              <a:t>Vol</a:t>
-            </a:r>
-            <a:r>
-              <a:rPr lang="en-US" sz="1200" dirty="0" smtClean="0">
-                <a:solidFill>
-                  <a:srgbClr val="000000"/>
-                </a:solidFill>
-                <a:latin typeface="Segoe UI" pitchFamily="34" charset="0"/>
-                <a:ea typeface="Segoe UI" pitchFamily="34" charset="0"/>
-                <a:cs typeface="Segoe UI" pitchFamily="34" charset="0"/>
-              </a:rPr>
-              <a:t> | Notified </a:t>
-            </a:r>
-            <a:r>
-              <a:rPr lang="en-US" sz="1200" dirty="0" err="1" smtClean="0">
-                <a:solidFill>
-                  <a:srgbClr val="000000"/>
-                </a:solidFill>
-                <a:latin typeface="Segoe UI" pitchFamily="34" charset="0"/>
-                <a:ea typeface="Segoe UI" pitchFamily="34" charset="0"/>
-                <a:cs typeface="Segoe UI" pitchFamily="34" charset="0"/>
-              </a:rPr>
-              <a:t>Dep</a:t>
-            </a:r>
-            <a:r>
-              <a:rPr lang="en-US" sz="1200" dirty="0" smtClean="0">
-                <a:solidFill>
-                  <a:srgbClr val="000000"/>
-                </a:solidFill>
-                <a:latin typeface="Segoe UI" pitchFamily="34" charset="0"/>
-                <a:ea typeface="Segoe UI" pitchFamily="34" charset="0"/>
-                <a:cs typeface="Segoe UI" pitchFamily="34" charset="0"/>
-              </a:rPr>
-              <a:t> </a:t>
-            </a:r>
-            <a:r>
-              <a:rPr lang="en-US" sz="1200" dirty="0" err="1" smtClean="0">
-                <a:solidFill>
-                  <a:srgbClr val="000000"/>
-                </a:solidFill>
-                <a:latin typeface="Segoe UI" pitchFamily="34" charset="0"/>
-                <a:ea typeface="Segoe UI" pitchFamily="34" charset="0"/>
-                <a:cs typeface="Segoe UI" pitchFamily="34" charset="0"/>
-              </a:rPr>
-              <a:t>Amt</a:t>
-            </a:r>
-            <a:r>
-              <a:rPr lang="en-US" sz="1200" dirty="0" smtClean="0">
-                <a:solidFill>
-                  <a:srgbClr val="000000"/>
-                </a:solidFill>
-                <a:latin typeface="Segoe UI" pitchFamily="34" charset="0"/>
-                <a:ea typeface="Segoe UI" pitchFamily="34" charset="0"/>
-                <a:cs typeface="Segoe UI" pitchFamily="34" charset="0"/>
-              </a:rPr>
-              <a:t> | Approved </a:t>
-            </a:r>
-            <a:r>
-              <a:rPr lang="en-US" sz="1200" dirty="0" err="1" smtClean="0">
-                <a:solidFill>
-                  <a:srgbClr val="000000"/>
-                </a:solidFill>
-                <a:latin typeface="Segoe UI" pitchFamily="34" charset="0"/>
-                <a:ea typeface="Segoe UI" pitchFamily="34" charset="0"/>
-                <a:cs typeface="Segoe UI" pitchFamily="34" charset="0"/>
-              </a:rPr>
-              <a:t>Amt</a:t>
-            </a:r>
-            <a:r>
-              <a:rPr lang="en-US" sz="1200" dirty="0" smtClean="0">
-                <a:solidFill>
-                  <a:srgbClr val="000000"/>
-                </a:solidFill>
-                <a:latin typeface="Segoe UI" pitchFamily="34" charset="0"/>
-                <a:ea typeface="Segoe UI" pitchFamily="34" charset="0"/>
-                <a:cs typeface="Segoe UI" pitchFamily="34" charset="0"/>
-              </a:rPr>
-              <a:t> | </a:t>
-            </a:r>
-            <a:r>
-              <a:rPr lang="en-US" sz="1200" dirty="0" err="1" smtClean="0">
-                <a:solidFill>
-                  <a:srgbClr val="000000"/>
-                </a:solidFill>
-                <a:latin typeface="Segoe UI" pitchFamily="34" charset="0"/>
-                <a:ea typeface="Segoe UI" pitchFamily="34" charset="0"/>
-                <a:cs typeface="Segoe UI" pitchFamily="34" charset="0"/>
-              </a:rPr>
-              <a:t>Rej</a:t>
-            </a:r>
-            <a:r>
-              <a:rPr lang="en-US" sz="1200" dirty="0" smtClean="0">
-                <a:solidFill>
-                  <a:srgbClr val="000000"/>
-                </a:solidFill>
-                <a:latin typeface="Segoe UI" pitchFamily="34" charset="0"/>
-                <a:ea typeface="Segoe UI" pitchFamily="34" charset="0"/>
-                <a:cs typeface="Segoe UI" pitchFamily="34" charset="0"/>
-              </a:rPr>
-              <a:t> </a:t>
-            </a:r>
-            <a:r>
-              <a:rPr lang="en-US" sz="1200" dirty="0" err="1" smtClean="0">
-                <a:solidFill>
-                  <a:srgbClr val="000000"/>
-                </a:solidFill>
-                <a:latin typeface="Segoe UI" pitchFamily="34" charset="0"/>
-                <a:ea typeface="Segoe UI" pitchFamily="34" charset="0"/>
-                <a:cs typeface="Segoe UI" pitchFamily="34" charset="0"/>
-              </a:rPr>
-              <a:t>Amt</a:t>
-            </a:r>
-            <a:r>
-              <a:rPr lang="en-US" sz="1200" dirty="0" smtClean="0">
-                <a:solidFill>
-                  <a:srgbClr val="000000"/>
-                </a:solidFill>
-                <a:latin typeface="Segoe UI" pitchFamily="34" charset="0"/>
-                <a:ea typeface="Segoe UI" pitchFamily="34" charset="0"/>
-                <a:cs typeface="Segoe UI" pitchFamily="34" charset="0"/>
-              </a:rPr>
-              <a:t> | Net Notification </a:t>
-            </a:r>
-            <a:r>
-              <a:rPr lang="en-US" sz="1200" dirty="0" err="1" smtClean="0">
-                <a:solidFill>
-                  <a:srgbClr val="000000"/>
-                </a:solidFill>
-                <a:latin typeface="Segoe UI" pitchFamily="34" charset="0"/>
-                <a:ea typeface="Segoe UI" pitchFamily="34" charset="0"/>
-                <a:cs typeface="Segoe UI" pitchFamily="34" charset="0"/>
-              </a:rPr>
-              <a:t>Amt</a:t>
-            </a:r>
-            <a:r>
-              <a:rPr lang="en-US" sz="1200" dirty="0" smtClean="0">
-                <a:solidFill>
-                  <a:srgbClr val="000000"/>
-                </a:solidFill>
-                <a:latin typeface="Segoe UI" pitchFamily="34" charset="0"/>
-                <a:ea typeface="Segoe UI" pitchFamily="34" charset="0"/>
-                <a:cs typeface="Segoe UI" pitchFamily="34" charset="0"/>
-              </a:rPr>
-              <a:t> | </a:t>
-            </a:r>
-            <a:r>
-              <a:rPr lang="en-US" sz="1200" dirty="0" smtClean="0">
-                <a:solidFill>
-                  <a:srgbClr val="FF0000"/>
-                </a:solidFill>
-                <a:latin typeface="Segoe UI" pitchFamily="34" charset="0"/>
-                <a:ea typeface="Segoe UI" pitchFamily="34" charset="0"/>
-                <a:cs typeface="Segoe UI" pitchFamily="34" charset="0"/>
-              </a:rPr>
-              <a:t>Cash Pool Deposits</a:t>
-            </a:r>
-            <a:r>
-              <a:rPr lang="en-US" sz="1200" dirty="0" smtClean="0">
-                <a:solidFill>
-                  <a:srgbClr val="000000"/>
-                </a:solidFill>
-                <a:latin typeface="Segoe UI" pitchFamily="34" charset="0"/>
-                <a:ea typeface="Segoe UI" pitchFamily="34" charset="0"/>
-                <a:cs typeface="Segoe UI" pitchFamily="34" charset="0"/>
-              </a:rPr>
-              <a:t> | </a:t>
-            </a:r>
-            <a:r>
-              <a:rPr lang="en-US" sz="1200" dirty="0" smtClean="0">
-                <a:solidFill>
-                  <a:schemeClr val="accent1"/>
-                </a:solidFill>
-                <a:latin typeface="Segoe UI" pitchFamily="34" charset="0"/>
-                <a:ea typeface="Segoe UI" pitchFamily="34" charset="0"/>
-                <a:cs typeface="Segoe UI" pitchFamily="34" charset="0"/>
-              </a:rPr>
-              <a:t>Approved </a:t>
-            </a:r>
-            <a:r>
-              <a:rPr lang="en-US" sz="1200" dirty="0" err="1" smtClean="0">
-                <a:solidFill>
-                  <a:schemeClr val="accent1"/>
-                </a:solidFill>
-                <a:latin typeface="Segoe UI" pitchFamily="34" charset="0"/>
-                <a:ea typeface="Segoe UI" pitchFamily="34" charset="0"/>
-                <a:cs typeface="Segoe UI" pitchFamily="34" charset="0"/>
-              </a:rPr>
-              <a:t>Amt</a:t>
-            </a:r>
-            <a:r>
-              <a:rPr lang="en-US" sz="1200" dirty="0" smtClean="0">
-                <a:solidFill>
-                  <a:schemeClr val="accent1"/>
-                </a:solidFill>
-                <a:latin typeface="Segoe UI" pitchFamily="34" charset="0"/>
-                <a:ea typeface="Segoe UI" pitchFamily="34" charset="0"/>
-                <a:cs typeface="Segoe UI" pitchFamily="34" charset="0"/>
-              </a:rPr>
-              <a:t> – Cash Pool Amount</a:t>
-            </a:r>
-            <a:endParaRPr lang="en-US" sz="1200" dirty="0" smtClean="0">
-              <a:solidFill>
-                <a:schemeClr val="accent1"/>
-              </a:solidFill>
-              <a:latin typeface="Segoe UI" pitchFamily="34" charset="0"/>
-              <a:ea typeface="Segoe UI" pitchFamily="34" charset="0"/>
-              <a:cs typeface="Segoe UI" pitchFamily="34" charset="0"/>
-            </a:endParaRPr>
-          </a:p>
-        </p:txBody>
-      </p:sp>
       <p:grpSp>
         <p:nvGrpSpPr>
           <p:cNvPr id="24" name="StickyNote"/>
           <p:cNvGrpSpPr/>
           <p:nvPr>
             <p:custDataLst>
-              <p:custData r:id="rId11"/>
+              <p:custData r:id="rId10"/>
             </p:custDataLst>
           </p:nvPr>
         </p:nvGrpSpPr>
         <p:grpSpPr>
           <a:xfrm>
-            <a:off x="1102413" y="3492213"/>
-            <a:ext cx="4327525" cy="2847625"/>
-            <a:chOff x="3905938" y="2606538"/>
+            <a:off x="7479845" y="3752096"/>
+            <a:ext cx="4327525" cy="1724680"/>
+            <a:chOff x="3905938" y="2606537"/>
             <a:chExt cx="4327525" cy="1405521"/>
           </a:xfrm>
         </p:grpSpPr>
@@ -5704,8 +5249,8 @@
           </p:nvSpPr>
           <p:spPr>
             <a:xfrm>
-              <a:off x="3905938" y="2662841"/>
-              <a:ext cx="4327525" cy="1349218"/>
+              <a:off x="3905938" y="2699500"/>
+              <a:ext cx="4327525" cy="1312558"/>
             </a:xfrm>
             <a:prstGeom prst="rect">
               <a:avLst/>
@@ -5760,7 +5305,17 @@
                   <a:latin typeface="Segoe UI" pitchFamily="34" charset="0"/>
                   <a:cs typeface="Segoe UI" pitchFamily="34" charset="0"/>
                 </a:rPr>
-                <a:t>Cash Pool Deposits are only at the Dealer Level</a:t>
+                <a:t>*Cash </a:t>
+              </a:r>
+              <a:r>
+                <a:rPr lang="en-US" sz="1200" dirty="0" smtClean="0">
+                  <a:solidFill>
+                    <a:sysClr val="windowText" lastClr="000000"/>
+                  </a:solidFill>
+                  <a:latin typeface="Segoe UI" pitchFamily="34" charset="0"/>
+                  <a:cs typeface="Segoe UI" pitchFamily="34" charset="0"/>
+                </a:rPr>
+                <a:t>Pool Deposits are only at the Dealer Level</a:t>
               </a:r>
             </a:p>
             <a:p>
@@ -5781,7 +5336,17 @@
                   <a:latin typeface="Segoe UI" pitchFamily="34" charset="0"/>
                   <a:cs typeface="Segoe UI" pitchFamily="34" charset="0"/>
                 </a:rPr>
-                <a:t>The records where approved [</a:t>
+                <a:t>The records where </a:t>
+              </a:r>
+              <a:r>
+                <a:rPr lang="en-US" sz="1200" dirty="0" smtClean="0">
+                  <a:solidFill>
+                    <a:sysClr val="windowText" lastClr="000000"/>
+                  </a:solidFill>
+                  <a:latin typeface="Segoe UI" pitchFamily="34" charset="0"/>
+                  <a:cs typeface="Segoe UI" pitchFamily="34" charset="0"/>
+                </a:rPr>
+                <a:t>[approved </a:t>
               </a:r>
               <a:r>
                 <a:rPr lang="en-US" sz="1200" dirty="0" err="1" smtClean="0">
@@ -5801,7 +5366,17 @@
                   <a:latin typeface="Segoe UI" pitchFamily="34" charset="0"/>
                   <a:cs typeface="Segoe UI" pitchFamily="34" charset="0"/>
                 </a:rPr>
-                <a:t> – cash pool </a:t>
+                <a:t> </a:t>
+              </a:r>
+              <a:r>
+                <a:rPr lang="en-US" sz="1200" dirty="0" smtClean="0">
+                  <a:solidFill>
+                    <a:sysClr val="windowText" lastClr="000000"/>
+                  </a:solidFill>
+                  <a:latin typeface="Segoe UI" pitchFamily="34" charset="0"/>
+                  <a:cs typeface="Segoe UI" pitchFamily="34" charset="0"/>
+                </a:rPr>
+                <a:t>– cash pool </a:t>
               </a:r>
               <a:r>
                 <a:rPr lang="en-US" sz="1200" dirty="0" err="1" smtClean="0">
@@ -5821,7 +5396,17 @@
                   <a:latin typeface="Segoe UI" pitchFamily="34" charset="0"/>
                   <a:cs typeface="Segoe UI" pitchFamily="34" charset="0"/>
                 </a:rPr>
-                <a:t>] &gt; 0 are the ones that need to be investigated.</a:t>
+                <a:t>] &gt; 0 are the ones that need to be </a:t>
+              </a:r>
+              <a:r>
+                <a:rPr lang="en-US" sz="1200" dirty="0" smtClean="0">
+                  <a:solidFill>
+                    <a:sysClr val="windowText" lastClr="000000"/>
+                  </a:solidFill>
+                  <a:latin typeface="Segoe UI" pitchFamily="34" charset="0"/>
+                  <a:cs typeface="Segoe UI" pitchFamily="34" charset="0"/>
+                </a:rPr>
+                <a:t>investigated and corrected if possible.</a:t>
               </a:r>
             </a:p>
             <a:p>
@@ -5842,48 +5427,17 @@
                   <a:latin typeface="Segoe UI" pitchFamily="34" charset="0"/>
                   <a:cs typeface="Segoe UI" pitchFamily="34" charset="0"/>
                 </a:rPr>
-                <a:t>Filtering on that [app </a:t>
+                <a:t>See example scenario on next slide.</a:t>
               </a:r>
-              <a:r>
-                <a:rPr lang="en-US" sz="1200" dirty="0" err="1" smtClean="0">
-                  <a:solidFill>
-                    <a:sysClr val="windowText" lastClr="000000"/>
-                  </a:solidFill>
-                  <a:latin typeface="Segoe UI" pitchFamily="34" charset="0"/>
-                  <a:cs typeface="Segoe UI" pitchFamily="34" charset="0"/>
-                </a:rPr>
-                <a:t>amt</a:t>
-              </a:r>
-              <a:r>
-                <a:rPr lang="en-US" sz="1200" dirty="0" smtClean="0">
-                  <a:solidFill>
-                    <a:sysClr val="windowText" lastClr="000000"/>
-                  </a:solidFill>
-                  <a:latin typeface="Segoe UI" pitchFamily="34" charset="0"/>
-                  <a:cs typeface="Segoe UI" pitchFamily="34" charset="0"/>
-                </a:rPr>
-                <a:t> – cash pool </a:t>
-              </a:r>
-              <a:r>
-                <a:rPr lang="en-US" sz="1200" dirty="0" err="1" smtClean="0">
-                  <a:solidFill>
-                    <a:sysClr val="windowText" lastClr="000000"/>
-                  </a:solidFill>
-                  <a:latin typeface="Segoe UI" pitchFamily="34" charset="0"/>
-                  <a:cs typeface="Segoe UI" pitchFamily="34" charset="0"/>
-                </a:rPr>
-                <a:t>amt</a:t>
-              </a:r>
-              <a:r>
-                <a:rPr lang="en-US" sz="1200" dirty="0" smtClean="0">
-                  <a:solidFill>
-                    <a:sysClr val="windowText" lastClr="000000"/>
-                  </a:solidFill>
-                  <a:latin typeface="Segoe UI" pitchFamily="34" charset="0"/>
-                  <a:cs typeface="Segoe UI" pitchFamily="34" charset="0"/>
-                </a:rPr>
-                <a:t>] = 0 will show the records that need to be focused on.</a:t>
-              </a:r>
+              <a:endParaRPr lang="en-US" sz="1200" dirty="0" smtClean="0">
+                <a:solidFill>
+                  <a:sysClr val="windowText" lastClr="000000"/>
+                </a:solidFill>
+                <a:latin typeface="Segoe UI" pitchFamily="34" charset="0"/>
+                <a:cs typeface="Segoe UI" pitchFamily="34" charset="0"/>
+              </a:endParaRPr>
+            </a:p>
+            <a:p>
               <a:endParaRPr lang="en-US" sz="1200" dirty="0">
                 <a:solidFill>
                   <a:sysClr val="windowText" lastClr="000000"/>
@@ -5904,8 +5458,8 @@
           </p:nvSpPr>
           <p:spPr>
             <a:xfrm rot="401918">
-              <a:off x="5787786" y="2606538"/>
-              <a:ext cx="563828" cy="106338"/>
+              <a:off x="5787786" y="2606537"/>
+              <a:ext cx="563828" cy="175575"/>
             </a:xfrm>
             <a:prstGeom prst="rect">
               <a:avLst/>
@@ -5969,6 +5523,1135 @@
           </p:txBody>
         </p:sp>
       </p:grpSp>
+      <p:graphicFrame>
+        <p:nvGraphicFramePr>
+          <p:cNvPr id="2" name="Table 1"/>
+          <p:cNvGraphicFramePr>
+            <a:graphicFrameLocks noGrp="1"/>
+          </p:cNvGraphicFramePr>
+          <p:nvPr>
+            <p:extLst>
+              <p:ext uri="{D42A27DB-BD31-4B8C-83A1-F6EECF244321}">
+                <p14:modId xmlns:p14="http://schemas.microsoft.com/office/powerpoint/2010/main" val="1611166448"/>
+              </p:ext>
+            </p:extLst>
+          </p:nvPr>
+        </p:nvGraphicFramePr>
+        <p:xfrm>
+          <a:off x="155072" y="2019076"/>
+          <a:ext cx="11799504" cy="1320800"/>
+        </p:xfrm>
+        <a:graphic>
+          <a:graphicData uri="http://schemas.openxmlformats.org/drawingml/2006/table">
+            <a:tbl>
+              <a:tblPr firstRow="1" bandRow="1">
+                <a:tableStyleId>{5C22544A-7EE6-4342-B048-85BDC9FD1C3A}</a:tableStyleId>
+              </a:tblPr>
+              <a:tblGrid>
+                <a:gridCol w="737469"/>
+                <a:gridCol w="737469"/>
+                <a:gridCol w="737469"/>
+                <a:gridCol w="737469"/>
+                <a:gridCol w="737469"/>
+                <a:gridCol w="737469"/>
+                <a:gridCol w="737469"/>
+                <a:gridCol w="737469"/>
+                <a:gridCol w="737469"/>
+                <a:gridCol w="737469"/>
+                <a:gridCol w="737469"/>
+                <a:gridCol w="737469"/>
+                <a:gridCol w="737469"/>
+                <a:gridCol w="737469"/>
+                <a:gridCol w="737469"/>
+                <a:gridCol w="737469"/>
+              </a:tblGrid>
+              <a:tr h="370840">
+                <a:tc>
+                  <a:txBody>
+                    <a:bodyPr/>
+                    <a:lstStyle/>
+                    <a:p>
+                      <a:r>
+                        <a:rPr lang="en-US" sz="800" dirty="0" err="1" smtClean="0">
+                          <a:solidFill>
+                            <a:srgbClr val="000000"/>
+                          </a:solidFill>
+                          <a:latin typeface="Segoe UI" pitchFamily="34" charset="0"/>
+                          <a:ea typeface="Segoe UI" pitchFamily="34" charset="0"/>
+                          <a:cs typeface="Segoe UI" pitchFamily="34" charset="0"/>
+                        </a:rPr>
+                        <a:t>TxDate</a:t>
+                      </a:r>
+                      <a:r>
+                        <a:rPr lang="en-US" sz="800" dirty="0" smtClean="0">
+                          <a:solidFill>
+                            <a:srgbClr val="000000"/>
+                          </a:solidFill>
+                          <a:latin typeface="Segoe UI" pitchFamily="34" charset="0"/>
+                          <a:ea typeface="Segoe UI" pitchFamily="34" charset="0"/>
+                          <a:cs typeface="Segoe UI" pitchFamily="34" charset="0"/>
+                        </a:rPr>
+                        <a:t> </a:t>
+                      </a:r>
+                      <a:endParaRPr lang="en-US" sz="800" dirty="0"/>
+                    </a:p>
+                  </a:txBody>
+                  <a:tcPr/>
+                </a:tc>
+                <a:tc>
+                  <a:txBody>
+                    <a:bodyPr/>
+                    <a:lstStyle/>
+                    <a:p>
+                      <a:r>
+                        <a:rPr lang="en-US" sz="800" dirty="0" smtClean="0">
+                          <a:solidFill>
+                            <a:srgbClr val="000000"/>
+                          </a:solidFill>
+                          <a:latin typeface="Segoe UI" pitchFamily="34" charset="0"/>
+                          <a:ea typeface="Segoe UI" pitchFamily="34" charset="0"/>
+                          <a:cs typeface="Segoe UI" pitchFamily="34" charset="0"/>
+                        </a:rPr>
+                        <a:t>Merchant </a:t>
+                      </a:r>
+                      <a:endParaRPr lang="en-US" sz="800" dirty="0"/>
+                    </a:p>
+                  </a:txBody>
+                  <a:tcPr/>
+                </a:tc>
+                <a:tc>
+                  <a:txBody>
+                    <a:bodyPr/>
+                    <a:lstStyle/>
+                    <a:p>
+                      <a:r>
+                        <a:rPr lang="en-US" sz="800" dirty="0" smtClean="0">
+                          <a:solidFill>
+                            <a:srgbClr val="000000"/>
+                          </a:solidFill>
+                          <a:latin typeface="Segoe UI" pitchFamily="34" charset="0"/>
+                          <a:ea typeface="Segoe UI" pitchFamily="34" charset="0"/>
+                          <a:cs typeface="Segoe UI" pitchFamily="34" charset="0"/>
+                        </a:rPr>
+                        <a:t>Dealer </a:t>
+                      </a:r>
+                      <a:endParaRPr lang="en-US" sz="800" dirty="0"/>
+                    </a:p>
+                  </a:txBody>
+                  <a:tcPr/>
+                </a:tc>
+                <a:tc>
+                  <a:txBody>
+                    <a:bodyPr/>
+                    <a:lstStyle/>
+                    <a:p>
+                      <a:r>
+                        <a:rPr lang="en-US" sz="800" dirty="0" smtClean="0">
+                          <a:solidFill>
+                            <a:srgbClr val="000000"/>
+                          </a:solidFill>
+                          <a:latin typeface="Segoe UI" pitchFamily="34" charset="0"/>
+                          <a:ea typeface="Segoe UI" pitchFamily="34" charset="0"/>
+                          <a:cs typeface="Segoe UI" pitchFamily="34" charset="0"/>
+                        </a:rPr>
+                        <a:t>Dealer Paga Account </a:t>
+                      </a:r>
+                      <a:endParaRPr lang="en-US" sz="800" dirty="0"/>
+                    </a:p>
+                  </a:txBody>
+                  <a:tcPr/>
+                </a:tc>
+                <a:tc>
+                  <a:txBody>
+                    <a:bodyPr/>
+                    <a:lstStyle/>
+                    <a:p>
+                      <a:r>
+                        <a:rPr lang="en-US" sz="800" dirty="0" smtClean="0">
+                          <a:solidFill>
+                            <a:srgbClr val="000000"/>
+                          </a:solidFill>
+                          <a:latin typeface="Segoe UI" pitchFamily="34" charset="0"/>
+                          <a:ea typeface="Segoe UI" pitchFamily="34" charset="0"/>
+                          <a:cs typeface="Segoe UI" pitchFamily="34" charset="0"/>
+                        </a:rPr>
+                        <a:t>Dealer Rep </a:t>
+                      </a:r>
+                      <a:endParaRPr lang="en-US" sz="800" dirty="0"/>
+                    </a:p>
+                  </a:txBody>
+                  <a:tcPr/>
+                </a:tc>
+                <a:tc>
+                  <a:txBody>
+                    <a:bodyPr/>
+                    <a:lstStyle/>
+                    <a:p>
+                      <a:r>
+                        <a:rPr lang="en-US" sz="800" dirty="0" err="1" smtClean="0">
+                          <a:solidFill>
+                            <a:srgbClr val="000000"/>
+                          </a:solidFill>
+                          <a:latin typeface="Segoe UI" pitchFamily="34" charset="0"/>
+                          <a:ea typeface="Segoe UI" pitchFamily="34" charset="0"/>
+                          <a:cs typeface="Segoe UI" pitchFamily="34" charset="0"/>
+                        </a:rPr>
+                        <a:t>Tx</a:t>
+                      </a:r>
+                      <a:r>
+                        <a:rPr lang="en-US" sz="800" dirty="0" smtClean="0">
+                          <a:solidFill>
+                            <a:srgbClr val="000000"/>
+                          </a:solidFill>
+                          <a:latin typeface="Segoe UI" pitchFamily="34" charset="0"/>
+                          <a:ea typeface="Segoe UI" pitchFamily="34" charset="0"/>
+                          <a:cs typeface="Segoe UI" pitchFamily="34" charset="0"/>
+                        </a:rPr>
+                        <a:t> Count</a:t>
+                      </a:r>
+                      <a:endParaRPr lang="en-US" sz="800" dirty="0"/>
+                    </a:p>
+                  </a:txBody>
+                  <a:tcPr/>
+                </a:tc>
+                <a:tc>
+                  <a:txBody>
+                    <a:bodyPr/>
+                    <a:lstStyle/>
+                    <a:p>
+                      <a:r>
+                        <a:rPr lang="en-US" sz="800" dirty="0" smtClean="0">
+                          <a:solidFill>
+                            <a:srgbClr val="000000"/>
+                          </a:solidFill>
+                          <a:latin typeface="Segoe UI" pitchFamily="34" charset="0"/>
+                          <a:ea typeface="Segoe UI" pitchFamily="34" charset="0"/>
+                          <a:cs typeface="Segoe UI" pitchFamily="34" charset="0"/>
+                        </a:rPr>
+                        <a:t>Rev </a:t>
+                      </a:r>
+                      <a:r>
+                        <a:rPr lang="en-US" sz="800" dirty="0" err="1" smtClean="0">
+                          <a:solidFill>
+                            <a:srgbClr val="000000"/>
+                          </a:solidFill>
+                          <a:latin typeface="Segoe UI" pitchFamily="34" charset="0"/>
+                          <a:ea typeface="Segoe UI" pitchFamily="34" charset="0"/>
+                          <a:cs typeface="Segoe UI" pitchFamily="34" charset="0"/>
+                        </a:rPr>
+                        <a:t>Tx</a:t>
+                      </a:r>
+                      <a:r>
+                        <a:rPr lang="en-US" sz="800" dirty="0" smtClean="0">
+                          <a:solidFill>
+                            <a:srgbClr val="000000"/>
+                          </a:solidFill>
+                          <a:latin typeface="Segoe UI" pitchFamily="34" charset="0"/>
+                          <a:ea typeface="Segoe UI" pitchFamily="34" charset="0"/>
+                          <a:cs typeface="Segoe UI" pitchFamily="34" charset="0"/>
+                        </a:rPr>
+                        <a:t> Count </a:t>
+                      </a:r>
+                      <a:endParaRPr lang="en-US" sz="800" dirty="0"/>
+                    </a:p>
+                  </a:txBody>
+                  <a:tcPr/>
+                </a:tc>
+                <a:tc>
+                  <a:txBody>
+                    <a:bodyPr/>
+                    <a:lstStyle/>
+                    <a:p>
+                      <a:r>
+                        <a:rPr lang="en-US" sz="800" dirty="0" err="1" smtClean="0">
+                          <a:solidFill>
+                            <a:srgbClr val="000000"/>
+                          </a:solidFill>
+                          <a:latin typeface="Segoe UI" pitchFamily="34" charset="0"/>
+                          <a:ea typeface="Segoe UI" pitchFamily="34" charset="0"/>
+                          <a:cs typeface="Segoe UI" pitchFamily="34" charset="0"/>
+                        </a:rPr>
+                        <a:t>Tx</a:t>
+                      </a:r>
+                      <a:r>
+                        <a:rPr lang="en-US" sz="800" dirty="0" smtClean="0">
+                          <a:solidFill>
+                            <a:srgbClr val="000000"/>
+                          </a:solidFill>
+                          <a:latin typeface="Segoe UI" pitchFamily="34" charset="0"/>
+                          <a:ea typeface="Segoe UI" pitchFamily="34" charset="0"/>
+                          <a:cs typeface="Segoe UI" pitchFamily="34" charset="0"/>
+                        </a:rPr>
+                        <a:t> </a:t>
+                      </a:r>
+                      <a:r>
+                        <a:rPr lang="en-US" sz="800" dirty="0" err="1" smtClean="0">
+                          <a:solidFill>
+                            <a:srgbClr val="000000"/>
+                          </a:solidFill>
+                          <a:latin typeface="Segoe UI" pitchFamily="34" charset="0"/>
+                          <a:ea typeface="Segoe UI" pitchFamily="34" charset="0"/>
+                          <a:cs typeface="Segoe UI" pitchFamily="34" charset="0"/>
+                        </a:rPr>
+                        <a:t>Vol</a:t>
+                      </a:r>
+                      <a:r>
+                        <a:rPr lang="en-US" sz="800" dirty="0" smtClean="0">
+                          <a:solidFill>
+                            <a:srgbClr val="000000"/>
+                          </a:solidFill>
+                          <a:latin typeface="Segoe UI" pitchFamily="34" charset="0"/>
+                          <a:ea typeface="Segoe UI" pitchFamily="34" charset="0"/>
+                          <a:cs typeface="Segoe UI" pitchFamily="34" charset="0"/>
+                        </a:rPr>
+                        <a:t> </a:t>
+                      </a:r>
+                      <a:endParaRPr lang="en-US" sz="800" dirty="0"/>
+                    </a:p>
+                  </a:txBody>
+                  <a:tcPr/>
+                </a:tc>
+                <a:tc>
+                  <a:txBody>
+                    <a:bodyPr/>
+                    <a:lstStyle/>
+                    <a:p>
+                      <a:r>
+                        <a:rPr lang="en-US" sz="800" dirty="0" smtClean="0">
+                          <a:solidFill>
+                            <a:srgbClr val="000000"/>
+                          </a:solidFill>
+                          <a:latin typeface="Segoe UI" pitchFamily="34" charset="0"/>
+                          <a:ea typeface="Segoe UI" pitchFamily="34" charset="0"/>
+                          <a:cs typeface="Segoe UI" pitchFamily="34" charset="0"/>
+                        </a:rPr>
+                        <a:t>Rev </a:t>
+                      </a:r>
+                      <a:r>
+                        <a:rPr lang="en-US" sz="800" dirty="0" err="1" smtClean="0">
+                          <a:solidFill>
+                            <a:srgbClr val="000000"/>
+                          </a:solidFill>
+                          <a:latin typeface="Segoe UI" pitchFamily="34" charset="0"/>
+                          <a:ea typeface="Segoe UI" pitchFamily="34" charset="0"/>
+                          <a:cs typeface="Segoe UI" pitchFamily="34" charset="0"/>
+                        </a:rPr>
+                        <a:t>Tx</a:t>
+                      </a:r>
+                      <a:r>
+                        <a:rPr lang="en-US" sz="800" dirty="0" smtClean="0">
+                          <a:solidFill>
+                            <a:srgbClr val="000000"/>
+                          </a:solidFill>
+                          <a:latin typeface="Segoe UI" pitchFamily="34" charset="0"/>
+                          <a:ea typeface="Segoe UI" pitchFamily="34" charset="0"/>
+                          <a:cs typeface="Segoe UI" pitchFamily="34" charset="0"/>
+                        </a:rPr>
+                        <a:t> </a:t>
+                      </a:r>
+                      <a:r>
+                        <a:rPr lang="en-US" sz="800" dirty="0" err="1" smtClean="0">
+                          <a:solidFill>
+                            <a:srgbClr val="000000"/>
+                          </a:solidFill>
+                          <a:latin typeface="Segoe UI" pitchFamily="34" charset="0"/>
+                          <a:ea typeface="Segoe UI" pitchFamily="34" charset="0"/>
+                          <a:cs typeface="Segoe UI" pitchFamily="34" charset="0"/>
+                        </a:rPr>
+                        <a:t>Vol</a:t>
+                      </a:r>
+                      <a:r>
+                        <a:rPr lang="en-US" sz="800" dirty="0" smtClean="0">
+                          <a:solidFill>
+                            <a:srgbClr val="000000"/>
+                          </a:solidFill>
+                          <a:latin typeface="Segoe UI" pitchFamily="34" charset="0"/>
+                          <a:ea typeface="Segoe UI" pitchFamily="34" charset="0"/>
+                          <a:cs typeface="Segoe UI" pitchFamily="34" charset="0"/>
+                        </a:rPr>
+                        <a:t> </a:t>
+                      </a:r>
+                      <a:endParaRPr lang="en-US" sz="800" dirty="0"/>
+                    </a:p>
+                  </a:txBody>
+                  <a:tcPr/>
+                </a:tc>
+                <a:tc>
+                  <a:txBody>
+                    <a:bodyPr/>
+                    <a:lstStyle/>
+                    <a:p>
+                      <a:r>
+                        <a:rPr lang="en-US" sz="800" dirty="0" smtClean="0">
+                          <a:solidFill>
+                            <a:srgbClr val="000000"/>
+                          </a:solidFill>
+                          <a:latin typeface="Segoe UI" pitchFamily="34" charset="0"/>
+                          <a:ea typeface="Segoe UI" pitchFamily="34" charset="0"/>
+                          <a:cs typeface="Segoe UI" pitchFamily="34" charset="0"/>
+                        </a:rPr>
+                        <a:t>Net </a:t>
+                      </a:r>
+                      <a:r>
+                        <a:rPr lang="en-US" sz="800" dirty="0" err="1" smtClean="0">
+                          <a:solidFill>
+                            <a:srgbClr val="000000"/>
+                          </a:solidFill>
+                          <a:latin typeface="Segoe UI" pitchFamily="34" charset="0"/>
+                          <a:ea typeface="Segoe UI" pitchFamily="34" charset="0"/>
+                          <a:cs typeface="Segoe UI" pitchFamily="34" charset="0"/>
+                        </a:rPr>
+                        <a:t>Tx</a:t>
+                      </a:r>
+                      <a:r>
+                        <a:rPr lang="en-US" sz="800" dirty="0" smtClean="0">
+                          <a:solidFill>
+                            <a:srgbClr val="000000"/>
+                          </a:solidFill>
+                          <a:latin typeface="Segoe UI" pitchFamily="34" charset="0"/>
+                          <a:ea typeface="Segoe UI" pitchFamily="34" charset="0"/>
+                          <a:cs typeface="Segoe UI" pitchFamily="34" charset="0"/>
+                        </a:rPr>
+                        <a:t> </a:t>
+                      </a:r>
+                      <a:r>
+                        <a:rPr lang="en-US" sz="800" dirty="0" err="1" smtClean="0">
+                          <a:solidFill>
+                            <a:srgbClr val="000000"/>
+                          </a:solidFill>
+                          <a:latin typeface="Segoe UI" pitchFamily="34" charset="0"/>
+                          <a:ea typeface="Segoe UI" pitchFamily="34" charset="0"/>
+                          <a:cs typeface="Segoe UI" pitchFamily="34" charset="0"/>
+                        </a:rPr>
+                        <a:t>Vol</a:t>
+                      </a:r>
+                      <a:r>
+                        <a:rPr lang="en-US" sz="800" dirty="0" smtClean="0">
+                          <a:solidFill>
+                            <a:srgbClr val="000000"/>
+                          </a:solidFill>
+                          <a:latin typeface="Segoe UI" pitchFamily="34" charset="0"/>
+                          <a:ea typeface="Segoe UI" pitchFamily="34" charset="0"/>
+                          <a:cs typeface="Segoe UI" pitchFamily="34" charset="0"/>
+                        </a:rPr>
+                        <a:t> </a:t>
+                      </a:r>
+                      <a:endParaRPr lang="en-US" sz="800" dirty="0"/>
+                    </a:p>
+                  </a:txBody>
+                  <a:tcPr/>
+                </a:tc>
+                <a:tc>
+                  <a:txBody>
+                    <a:bodyPr/>
+                    <a:lstStyle/>
+                    <a:p>
+                      <a:r>
+                        <a:rPr lang="en-US" sz="800" dirty="0" smtClean="0">
+                          <a:solidFill>
+                            <a:srgbClr val="000000"/>
+                          </a:solidFill>
+                          <a:latin typeface="Segoe UI" pitchFamily="34" charset="0"/>
+                          <a:ea typeface="Segoe UI" pitchFamily="34" charset="0"/>
+                          <a:cs typeface="Segoe UI" pitchFamily="34" charset="0"/>
+                        </a:rPr>
+                        <a:t>Notified </a:t>
+                      </a:r>
+                      <a:r>
+                        <a:rPr lang="en-US" sz="800" dirty="0" err="1" smtClean="0">
+                          <a:solidFill>
+                            <a:srgbClr val="000000"/>
+                          </a:solidFill>
+                          <a:latin typeface="Segoe UI" pitchFamily="34" charset="0"/>
+                          <a:ea typeface="Segoe UI" pitchFamily="34" charset="0"/>
+                          <a:cs typeface="Segoe UI" pitchFamily="34" charset="0"/>
+                        </a:rPr>
+                        <a:t>Dep</a:t>
+                      </a:r>
+                      <a:r>
+                        <a:rPr lang="en-US" sz="800" dirty="0" smtClean="0">
+                          <a:solidFill>
+                            <a:srgbClr val="000000"/>
+                          </a:solidFill>
+                          <a:latin typeface="Segoe UI" pitchFamily="34" charset="0"/>
+                          <a:ea typeface="Segoe UI" pitchFamily="34" charset="0"/>
+                          <a:cs typeface="Segoe UI" pitchFamily="34" charset="0"/>
+                        </a:rPr>
+                        <a:t> </a:t>
+                      </a:r>
+                      <a:r>
+                        <a:rPr lang="en-US" sz="800" dirty="0" err="1" smtClean="0">
+                          <a:solidFill>
+                            <a:srgbClr val="000000"/>
+                          </a:solidFill>
+                          <a:latin typeface="Segoe UI" pitchFamily="34" charset="0"/>
+                          <a:ea typeface="Segoe UI" pitchFamily="34" charset="0"/>
+                          <a:cs typeface="Segoe UI" pitchFamily="34" charset="0"/>
+                        </a:rPr>
+                        <a:t>Amt</a:t>
+                      </a:r>
+                      <a:r>
+                        <a:rPr lang="en-US" sz="800" dirty="0" smtClean="0">
+                          <a:solidFill>
+                            <a:srgbClr val="000000"/>
+                          </a:solidFill>
+                          <a:latin typeface="Segoe UI" pitchFamily="34" charset="0"/>
+                          <a:ea typeface="Segoe UI" pitchFamily="34" charset="0"/>
+                          <a:cs typeface="Segoe UI" pitchFamily="34" charset="0"/>
+                        </a:rPr>
+                        <a:t> </a:t>
+                      </a:r>
+                      <a:endParaRPr lang="en-US" sz="800" dirty="0"/>
+                    </a:p>
+                  </a:txBody>
+                  <a:tcPr/>
+                </a:tc>
+                <a:tc>
+                  <a:txBody>
+                    <a:bodyPr/>
+                    <a:lstStyle/>
+                    <a:p>
+                      <a:r>
+                        <a:rPr lang="en-US" sz="800" dirty="0" smtClean="0">
+                          <a:solidFill>
+                            <a:srgbClr val="000000"/>
+                          </a:solidFill>
+                          <a:latin typeface="Segoe UI" pitchFamily="34" charset="0"/>
+                          <a:ea typeface="Segoe UI" pitchFamily="34" charset="0"/>
+                          <a:cs typeface="Segoe UI" pitchFamily="34" charset="0"/>
+                        </a:rPr>
+                        <a:t>Approved </a:t>
+                      </a:r>
+                      <a:r>
+                        <a:rPr lang="en-US" sz="800" dirty="0" err="1" smtClean="0">
+                          <a:solidFill>
+                            <a:srgbClr val="000000"/>
+                          </a:solidFill>
+                          <a:latin typeface="Segoe UI" pitchFamily="34" charset="0"/>
+                          <a:ea typeface="Segoe UI" pitchFamily="34" charset="0"/>
+                          <a:cs typeface="Segoe UI" pitchFamily="34" charset="0"/>
+                        </a:rPr>
+                        <a:t>Amt</a:t>
+                      </a:r>
+                      <a:r>
+                        <a:rPr lang="en-US" sz="800" dirty="0" smtClean="0">
+                          <a:solidFill>
+                            <a:srgbClr val="000000"/>
+                          </a:solidFill>
+                          <a:latin typeface="Segoe UI" pitchFamily="34" charset="0"/>
+                          <a:ea typeface="Segoe UI" pitchFamily="34" charset="0"/>
+                          <a:cs typeface="Segoe UI" pitchFamily="34" charset="0"/>
+                        </a:rPr>
+                        <a:t> </a:t>
+                      </a:r>
+                      <a:endParaRPr lang="en-US" sz="800" dirty="0"/>
+                    </a:p>
+                  </a:txBody>
+                  <a:tcPr/>
+                </a:tc>
+                <a:tc>
+                  <a:txBody>
+                    <a:bodyPr/>
+                    <a:lstStyle/>
+                    <a:p>
+                      <a:r>
+                        <a:rPr lang="en-US" sz="800" dirty="0" smtClean="0">
+                          <a:solidFill>
+                            <a:srgbClr val="000000"/>
+                          </a:solidFill>
+                          <a:latin typeface="Segoe UI" pitchFamily="34" charset="0"/>
+                          <a:ea typeface="Segoe UI" pitchFamily="34" charset="0"/>
+                          <a:cs typeface="Segoe UI" pitchFamily="34" charset="0"/>
+                        </a:rPr>
+                        <a:t>Rejected </a:t>
+                      </a:r>
+                      <a:r>
+                        <a:rPr lang="en-US" sz="800" dirty="0" err="1" smtClean="0">
+                          <a:solidFill>
+                            <a:srgbClr val="000000"/>
+                          </a:solidFill>
+                          <a:latin typeface="Segoe UI" pitchFamily="34" charset="0"/>
+                          <a:ea typeface="Segoe UI" pitchFamily="34" charset="0"/>
+                          <a:cs typeface="Segoe UI" pitchFamily="34" charset="0"/>
+                        </a:rPr>
+                        <a:t>Amt</a:t>
+                      </a:r>
+                      <a:r>
+                        <a:rPr lang="en-US" sz="800" dirty="0" smtClean="0">
+                          <a:solidFill>
+                            <a:srgbClr val="000000"/>
+                          </a:solidFill>
+                          <a:latin typeface="Segoe UI" pitchFamily="34" charset="0"/>
+                          <a:ea typeface="Segoe UI" pitchFamily="34" charset="0"/>
+                          <a:cs typeface="Segoe UI" pitchFamily="34" charset="0"/>
+                        </a:rPr>
+                        <a:t> </a:t>
+                      </a:r>
+                      <a:endParaRPr lang="en-US" sz="800" dirty="0"/>
+                    </a:p>
+                  </a:txBody>
+                  <a:tcPr/>
+                </a:tc>
+                <a:tc>
+                  <a:txBody>
+                    <a:bodyPr/>
+                    <a:lstStyle/>
+                    <a:p>
+                      <a:r>
+                        <a:rPr lang="en-US" sz="800" dirty="0" smtClean="0">
+                          <a:solidFill>
+                            <a:srgbClr val="000000"/>
+                          </a:solidFill>
+                          <a:latin typeface="Segoe UI" pitchFamily="34" charset="0"/>
+                          <a:ea typeface="Segoe UI" pitchFamily="34" charset="0"/>
+                          <a:cs typeface="Segoe UI" pitchFamily="34" charset="0"/>
+                        </a:rPr>
+                        <a:t>Net Notification </a:t>
+                      </a:r>
+                      <a:r>
+                        <a:rPr lang="en-US" sz="800" dirty="0" err="1" smtClean="0">
+                          <a:solidFill>
+                            <a:srgbClr val="000000"/>
+                          </a:solidFill>
+                          <a:latin typeface="Segoe UI" pitchFamily="34" charset="0"/>
+                          <a:ea typeface="Segoe UI" pitchFamily="34" charset="0"/>
+                          <a:cs typeface="Segoe UI" pitchFamily="34" charset="0"/>
+                        </a:rPr>
+                        <a:t>Amt</a:t>
+                      </a:r>
+                      <a:r>
+                        <a:rPr lang="en-US" sz="800" dirty="0" smtClean="0">
+                          <a:solidFill>
+                            <a:srgbClr val="000000"/>
+                          </a:solidFill>
+                          <a:latin typeface="Segoe UI" pitchFamily="34" charset="0"/>
+                          <a:ea typeface="Segoe UI" pitchFamily="34" charset="0"/>
+                          <a:cs typeface="Segoe UI" pitchFamily="34" charset="0"/>
+                        </a:rPr>
+                        <a:t> </a:t>
+                      </a:r>
+                      <a:endParaRPr lang="en-US" sz="800" dirty="0"/>
+                    </a:p>
+                  </a:txBody>
+                  <a:tcPr/>
+                </a:tc>
+                <a:tc>
+                  <a:txBody>
+                    <a:bodyPr/>
+                    <a:lstStyle/>
+                    <a:p>
+                      <a:r>
+                        <a:rPr lang="en-US" sz="800" dirty="0" smtClean="0">
+                          <a:solidFill>
+                            <a:srgbClr val="FF0000"/>
+                          </a:solidFill>
+                          <a:latin typeface="Segoe UI" pitchFamily="34" charset="0"/>
+                          <a:ea typeface="Segoe UI" pitchFamily="34" charset="0"/>
+                          <a:cs typeface="Segoe UI" pitchFamily="34" charset="0"/>
+                        </a:rPr>
+                        <a:t>Cash Pool Deposits</a:t>
+                      </a:r>
+                      <a:r>
+                        <a:rPr lang="en-US" sz="800" dirty="0" smtClean="0">
+                          <a:solidFill>
+                            <a:srgbClr val="000000"/>
+                          </a:solidFill>
+                          <a:latin typeface="Segoe UI" pitchFamily="34" charset="0"/>
+                          <a:ea typeface="Segoe UI" pitchFamily="34" charset="0"/>
+                          <a:cs typeface="Segoe UI" pitchFamily="34" charset="0"/>
+                        </a:rPr>
+                        <a:t>*</a:t>
+                      </a:r>
+                      <a:endParaRPr lang="en-US" sz="800" dirty="0"/>
+                    </a:p>
+                  </a:txBody>
+                  <a:tcPr/>
+                </a:tc>
+                <a:tc>
+                  <a:txBody>
+                    <a:bodyPr/>
+                    <a:lstStyle/>
+                    <a:p>
+                      <a:pPr marL="0" marR="0" indent="0" algn="l" defTabSz="914400" rtl="0" eaLnBrk="1" fontAlgn="auto" latinLnBrk="0" hangingPunct="1">
+                        <a:lnSpc>
+                          <a:spcPct val="100000"/>
+                        </a:lnSpc>
+                        <a:spcBef>
+                          <a:spcPts val="0"/>
+                        </a:spcBef>
+                        <a:spcAft>
+                          <a:spcPts val="0"/>
+                        </a:spcAft>
+                        <a:buClrTx/>
+                        <a:buSzTx/>
+                        <a:buFontTx/>
+                        <a:buNone/>
+                        <a:tabLst/>
+                        <a:defRPr/>
+                      </a:pPr>
+                      <a:r>
+                        <a:rPr lang="en-US" sz="800" dirty="0" smtClean="0">
+                          <a:solidFill>
+                            <a:sysClr val="windowText" lastClr="000000"/>
+                          </a:solidFill>
+                          <a:latin typeface="Segoe UI" pitchFamily="34" charset="0"/>
+                          <a:cs typeface="Segoe UI" pitchFamily="34" charset="0"/>
+                        </a:rPr>
+                        <a:t>[approved </a:t>
+                      </a:r>
+                      <a:r>
+                        <a:rPr lang="en-US" sz="800" dirty="0" err="1" smtClean="0">
+                          <a:solidFill>
+                            <a:sysClr val="windowText" lastClr="000000"/>
+                          </a:solidFill>
+                          <a:latin typeface="Segoe UI" pitchFamily="34" charset="0"/>
+                          <a:cs typeface="Segoe UI" pitchFamily="34" charset="0"/>
+                        </a:rPr>
+                        <a:t>amt</a:t>
+                      </a:r>
+                      <a:r>
+                        <a:rPr lang="en-US" sz="800" dirty="0" smtClean="0">
+                          <a:solidFill>
+                            <a:sysClr val="windowText" lastClr="000000"/>
+                          </a:solidFill>
+                          <a:latin typeface="Segoe UI" pitchFamily="34" charset="0"/>
+                          <a:cs typeface="Segoe UI" pitchFamily="34" charset="0"/>
+                        </a:rPr>
+                        <a:t> – cash pool </a:t>
+                      </a:r>
+                      <a:r>
+                        <a:rPr lang="en-US" sz="800" dirty="0" err="1" smtClean="0">
+                          <a:solidFill>
+                            <a:sysClr val="windowText" lastClr="000000"/>
+                          </a:solidFill>
+                          <a:latin typeface="Segoe UI" pitchFamily="34" charset="0"/>
+                          <a:cs typeface="Segoe UI" pitchFamily="34" charset="0"/>
+                        </a:rPr>
+                        <a:t>amt</a:t>
+                      </a:r>
+                      <a:r>
+                        <a:rPr lang="en-US" sz="800" dirty="0" smtClean="0">
+                          <a:solidFill>
+                            <a:sysClr val="windowText" lastClr="000000"/>
+                          </a:solidFill>
+                          <a:latin typeface="Segoe UI" pitchFamily="34" charset="0"/>
+                          <a:cs typeface="Segoe UI" pitchFamily="34" charset="0"/>
+                        </a:rPr>
+                        <a:t>] </a:t>
+                      </a:r>
+                      <a:r>
+                        <a:rPr lang="en-US" sz="800" dirty="0" smtClean="0">
+                          <a:solidFill>
+                            <a:schemeClr val="accent1"/>
+                          </a:solidFill>
+                          <a:latin typeface="Segoe UI" pitchFamily="34" charset="0"/>
+                          <a:ea typeface="Segoe UI" pitchFamily="34" charset="0"/>
+                          <a:cs typeface="Segoe UI" pitchFamily="34" charset="0"/>
+                        </a:rPr>
+                        <a:t>roved A</a:t>
+                      </a:r>
+                      <a:endParaRPr lang="en-US" sz="800" dirty="0"/>
+                    </a:p>
+                  </a:txBody>
+                  <a:tcPr/>
+                </a:tc>
+              </a:tr>
+              <a:tr h="370840">
+                <a:tc>
+                  <a:txBody>
+                    <a:bodyPr/>
+                    <a:lstStyle/>
+                    <a:p>
+                      <a:endParaRPr lang="en-US" sz="800" dirty="0"/>
+                    </a:p>
+                  </a:txBody>
+                  <a:tcPr/>
+                </a:tc>
+                <a:tc>
+                  <a:txBody>
+                    <a:bodyPr/>
+                    <a:lstStyle/>
+                    <a:p>
+                      <a:endParaRPr lang="en-US" sz="800" dirty="0"/>
+                    </a:p>
+                  </a:txBody>
+                  <a:tcPr/>
+                </a:tc>
+                <a:tc>
+                  <a:txBody>
+                    <a:bodyPr/>
+                    <a:lstStyle/>
+                    <a:p>
+                      <a:endParaRPr lang="en-US" sz="800" dirty="0"/>
+                    </a:p>
+                  </a:txBody>
+                  <a:tcPr/>
+                </a:tc>
+                <a:tc>
+                  <a:txBody>
+                    <a:bodyPr/>
+                    <a:lstStyle/>
+                    <a:p>
+                      <a:endParaRPr lang="en-US" sz="800" dirty="0"/>
+                    </a:p>
+                  </a:txBody>
+                  <a:tcPr/>
+                </a:tc>
+                <a:tc>
+                  <a:txBody>
+                    <a:bodyPr/>
+                    <a:lstStyle/>
+                    <a:p>
+                      <a:endParaRPr lang="en-US" sz="800" dirty="0"/>
+                    </a:p>
+                  </a:txBody>
+                  <a:tcPr/>
+                </a:tc>
+                <a:tc>
+                  <a:txBody>
+                    <a:bodyPr/>
+                    <a:lstStyle/>
+                    <a:p>
+                      <a:endParaRPr lang="en-US" sz="800" dirty="0"/>
+                    </a:p>
+                  </a:txBody>
+                  <a:tcPr/>
+                </a:tc>
+                <a:tc>
+                  <a:txBody>
+                    <a:bodyPr/>
+                    <a:lstStyle/>
+                    <a:p>
+                      <a:endParaRPr lang="en-US" sz="800" dirty="0"/>
+                    </a:p>
+                  </a:txBody>
+                  <a:tcPr/>
+                </a:tc>
+                <a:tc>
+                  <a:txBody>
+                    <a:bodyPr/>
+                    <a:lstStyle/>
+                    <a:p>
+                      <a:endParaRPr lang="en-US" sz="800" dirty="0"/>
+                    </a:p>
+                  </a:txBody>
+                  <a:tcPr/>
+                </a:tc>
+                <a:tc>
+                  <a:txBody>
+                    <a:bodyPr/>
+                    <a:lstStyle/>
+                    <a:p>
+                      <a:endParaRPr lang="en-US" sz="800" dirty="0"/>
+                    </a:p>
+                  </a:txBody>
+                  <a:tcPr/>
+                </a:tc>
+                <a:tc>
+                  <a:txBody>
+                    <a:bodyPr/>
+                    <a:lstStyle/>
+                    <a:p>
+                      <a:endParaRPr lang="en-US" sz="800" dirty="0"/>
+                    </a:p>
+                  </a:txBody>
+                  <a:tcPr/>
+                </a:tc>
+                <a:tc>
+                  <a:txBody>
+                    <a:bodyPr/>
+                    <a:lstStyle/>
+                    <a:p>
+                      <a:endParaRPr lang="en-US" sz="800" dirty="0"/>
+                    </a:p>
+                  </a:txBody>
+                  <a:tcPr/>
+                </a:tc>
+                <a:tc>
+                  <a:txBody>
+                    <a:bodyPr/>
+                    <a:lstStyle/>
+                    <a:p>
+                      <a:endParaRPr lang="en-US" sz="800" dirty="0"/>
+                    </a:p>
+                  </a:txBody>
+                  <a:tcPr/>
+                </a:tc>
+                <a:tc>
+                  <a:txBody>
+                    <a:bodyPr/>
+                    <a:lstStyle/>
+                    <a:p>
+                      <a:endParaRPr lang="en-US" sz="800" dirty="0"/>
+                    </a:p>
+                  </a:txBody>
+                  <a:tcPr/>
+                </a:tc>
+                <a:tc>
+                  <a:txBody>
+                    <a:bodyPr/>
+                    <a:lstStyle/>
+                    <a:p>
+                      <a:endParaRPr lang="en-US" sz="800" dirty="0"/>
+                    </a:p>
+                  </a:txBody>
+                  <a:tcPr/>
+                </a:tc>
+                <a:tc>
+                  <a:txBody>
+                    <a:bodyPr/>
+                    <a:lstStyle/>
+                    <a:p>
+                      <a:endParaRPr lang="en-US" sz="800" dirty="0"/>
+                    </a:p>
+                  </a:txBody>
+                  <a:tcPr/>
+                </a:tc>
+                <a:tc>
+                  <a:txBody>
+                    <a:bodyPr/>
+                    <a:lstStyle/>
+                    <a:p>
+                      <a:pPr marL="0" marR="0" indent="0" algn="l" defTabSz="914400" rtl="0" eaLnBrk="1" fontAlgn="auto" latinLnBrk="0" hangingPunct="1">
+                        <a:lnSpc>
+                          <a:spcPct val="100000"/>
+                        </a:lnSpc>
+                        <a:spcBef>
+                          <a:spcPts val="0"/>
+                        </a:spcBef>
+                        <a:spcAft>
+                          <a:spcPts val="0"/>
+                        </a:spcAft>
+                        <a:buClrTx/>
+                        <a:buSzTx/>
+                        <a:buFontTx/>
+                        <a:buNone/>
+                        <a:tabLst/>
+                        <a:defRPr/>
+                      </a:pPr>
+                      <a:endParaRPr lang="en-US" sz="800" dirty="0"/>
+                    </a:p>
+                  </a:txBody>
+                  <a:tcPr/>
+                </a:tc>
+              </a:tr>
+              <a:tr h="370840">
+                <a:tc>
+                  <a:txBody>
+                    <a:bodyPr/>
+                    <a:lstStyle/>
+                    <a:p>
+                      <a:endParaRPr lang="en-US" sz="800" dirty="0"/>
+                    </a:p>
+                  </a:txBody>
+                  <a:tcPr/>
+                </a:tc>
+                <a:tc>
+                  <a:txBody>
+                    <a:bodyPr/>
+                    <a:lstStyle/>
+                    <a:p>
+                      <a:endParaRPr lang="en-US" sz="800" dirty="0"/>
+                    </a:p>
+                  </a:txBody>
+                  <a:tcPr/>
+                </a:tc>
+                <a:tc>
+                  <a:txBody>
+                    <a:bodyPr/>
+                    <a:lstStyle/>
+                    <a:p>
+                      <a:endParaRPr lang="en-US" sz="800" dirty="0"/>
+                    </a:p>
+                  </a:txBody>
+                  <a:tcPr/>
+                </a:tc>
+                <a:tc>
+                  <a:txBody>
+                    <a:bodyPr/>
+                    <a:lstStyle/>
+                    <a:p>
+                      <a:endParaRPr lang="en-US" sz="800" dirty="0"/>
+                    </a:p>
+                  </a:txBody>
+                  <a:tcPr/>
+                </a:tc>
+                <a:tc>
+                  <a:txBody>
+                    <a:bodyPr/>
+                    <a:lstStyle/>
+                    <a:p>
+                      <a:endParaRPr lang="en-US" sz="800" dirty="0"/>
+                    </a:p>
+                  </a:txBody>
+                  <a:tcPr/>
+                </a:tc>
+                <a:tc>
+                  <a:txBody>
+                    <a:bodyPr/>
+                    <a:lstStyle/>
+                    <a:p>
+                      <a:endParaRPr lang="en-US" sz="800" dirty="0"/>
+                    </a:p>
+                  </a:txBody>
+                  <a:tcPr/>
+                </a:tc>
+                <a:tc>
+                  <a:txBody>
+                    <a:bodyPr/>
+                    <a:lstStyle/>
+                    <a:p>
+                      <a:endParaRPr lang="en-US" sz="800" dirty="0"/>
+                    </a:p>
+                  </a:txBody>
+                  <a:tcPr/>
+                </a:tc>
+                <a:tc>
+                  <a:txBody>
+                    <a:bodyPr/>
+                    <a:lstStyle/>
+                    <a:p>
+                      <a:endParaRPr lang="en-US" sz="800" dirty="0"/>
+                    </a:p>
+                  </a:txBody>
+                  <a:tcPr/>
+                </a:tc>
+                <a:tc>
+                  <a:txBody>
+                    <a:bodyPr/>
+                    <a:lstStyle/>
+                    <a:p>
+                      <a:endParaRPr lang="en-US" sz="800" dirty="0"/>
+                    </a:p>
+                  </a:txBody>
+                  <a:tcPr/>
+                </a:tc>
+                <a:tc>
+                  <a:txBody>
+                    <a:bodyPr/>
+                    <a:lstStyle/>
+                    <a:p>
+                      <a:endParaRPr lang="en-US" sz="800" dirty="0"/>
+                    </a:p>
+                  </a:txBody>
+                  <a:tcPr/>
+                </a:tc>
+                <a:tc>
+                  <a:txBody>
+                    <a:bodyPr/>
+                    <a:lstStyle/>
+                    <a:p>
+                      <a:endParaRPr lang="en-US" sz="800" dirty="0"/>
+                    </a:p>
+                  </a:txBody>
+                  <a:tcPr/>
+                </a:tc>
+                <a:tc>
+                  <a:txBody>
+                    <a:bodyPr/>
+                    <a:lstStyle/>
+                    <a:p>
+                      <a:endParaRPr lang="en-US" sz="800" dirty="0"/>
+                    </a:p>
+                  </a:txBody>
+                  <a:tcPr/>
+                </a:tc>
+                <a:tc>
+                  <a:txBody>
+                    <a:bodyPr/>
+                    <a:lstStyle/>
+                    <a:p>
+                      <a:endParaRPr lang="en-US" sz="800" dirty="0"/>
+                    </a:p>
+                  </a:txBody>
+                  <a:tcPr/>
+                </a:tc>
+                <a:tc>
+                  <a:txBody>
+                    <a:bodyPr/>
+                    <a:lstStyle/>
+                    <a:p>
+                      <a:endParaRPr lang="en-US" sz="800" dirty="0"/>
+                    </a:p>
+                  </a:txBody>
+                  <a:tcPr/>
+                </a:tc>
+                <a:tc>
+                  <a:txBody>
+                    <a:bodyPr/>
+                    <a:lstStyle/>
+                    <a:p>
+                      <a:endParaRPr lang="en-US" sz="800" dirty="0"/>
+                    </a:p>
+                  </a:txBody>
+                  <a:tcPr/>
+                </a:tc>
+                <a:tc>
+                  <a:txBody>
+                    <a:bodyPr/>
+                    <a:lstStyle/>
+                    <a:p>
+                      <a:pPr marL="0" marR="0" indent="0" algn="l" defTabSz="914400" rtl="0" eaLnBrk="1" fontAlgn="auto" latinLnBrk="0" hangingPunct="1">
+                        <a:lnSpc>
+                          <a:spcPct val="100000"/>
+                        </a:lnSpc>
+                        <a:spcBef>
+                          <a:spcPts val="0"/>
+                        </a:spcBef>
+                        <a:spcAft>
+                          <a:spcPts val="0"/>
+                        </a:spcAft>
+                        <a:buClrTx/>
+                        <a:buSzTx/>
+                        <a:buFontTx/>
+                        <a:buNone/>
+                        <a:tabLst/>
+                        <a:defRPr/>
+                      </a:pPr>
+                      <a:endParaRPr lang="en-US" sz="800" dirty="0"/>
+                    </a:p>
+                  </a:txBody>
+                  <a:tcPr/>
+                </a:tc>
+              </a:tr>
+            </a:tbl>
+          </a:graphicData>
+        </a:graphic>
+      </p:graphicFrame>
+      <p:sp>
+        <p:nvSpPr>
+          <p:cNvPr id="27" name="TextBox 26"/>
+          <p:cNvSpPr txBox="1"/>
+          <p:nvPr/>
+        </p:nvSpPr>
+        <p:spPr>
+          <a:xfrm>
+            <a:off x="277570" y="5909999"/>
+            <a:ext cx="9530574" cy="646331"/>
+          </a:xfrm>
+          <a:prstGeom prst="rect">
+            <a:avLst/>
+          </a:prstGeom>
+          <a:noFill/>
+        </p:spPr>
+        <p:txBody>
+          <a:bodyPr wrap="square" rtlCol="0">
+            <a:spAutoFit/>
+          </a:bodyPr>
+          <a:lstStyle/>
+          <a:p>
+            <a:r>
+              <a:rPr lang="en-US" dirty="0" smtClean="0"/>
+              <a:t>Step 3: Correct any deposits that were mis</a:t>
+            </a:r>
+            <a:r>
+              <a:rPr lang="en-US" dirty="0" smtClean="0"/>
+              <a:t>allocated. At this point the only way you could have a discrepancy is if a deposit notification was approved when it shouldn’t have been.</a:t>
+            </a:r>
+            <a:endParaRPr lang="en-US" dirty="0"/>
+          </a:p>
+        </p:txBody>
+      </p:sp>
     </p:spTree>
     <p:extLst>
       <p:ext uri="{BB962C8B-B14F-4D97-AF65-F5344CB8AC3E}">
@@ -5989,7 +6672,7 @@
 </p:sld>
 </file>
 
-<file path=ppt/slides/slide3.xml><?xml version="1.0" encoding="utf-8"?>
+<file path=ppt/slides/slide4.xml><?xml version="1.0" encoding="utf-8"?>
 <p:sld xmlns:a="http://schemas.openxmlformats.org/drawingml/2006/main" xmlns:r="http://schemas.openxmlformats.org/officeDocument/2006/relationships" xmlns:p="http://schemas.openxmlformats.org/presentationml/2006/main">
   <p:cSld>
     <p:spTree>
@@ -6006,16 +6689,269 @@
           <a:chExt cx="0" cy="0"/>
         </a:xfrm>
       </p:grpSpPr>
-      <p:sp>
-        <p:nvSpPr>
-          <p:cNvPr id="2" name="TextBox 1"/>
+      <p:pic>
+        <p:nvPicPr>
+          <p:cNvPr id="5" name="Picture 4"/>
+          <p:cNvPicPr>
+            <a:picLocks noChangeAspect="1"/>
+          </p:cNvPicPr>
+          <p:nvPr/>
+        </p:nvPicPr>
+        <p:blipFill>
+          <a:blip r:embed="rId2"/>
+          <a:stretch>
+            <a:fillRect/>
+          </a:stretch>
+        </p:blipFill>
+        <p:spPr>
+          <a:xfrm>
+            <a:off x="280286" y="2758404"/>
+            <a:ext cx="10657143" cy="523810"/>
+          </a:xfrm>
+          <a:prstGeom prst="rect">
+            <a:avLst/>
+          </a:prstGeom>
+        </p:spPr>
+      </p:pic>
+      <p:pic>
+        <p:nvPicPr>
+          <p:cNvPr id="6" name="Picture 5"/>
+          <p:cNvPicPr>
+            <a:picLocks noChangeAspect="1"/>
+          </p:cNvPicPr>
+          <p:nvPr/>
+        </p:nvPicPr>
+        <p:blipFill>
+          <a:blip r:embed="rId3"/>
+          <a:stretch>
+            <a:fillRect/>
+          </a:stretch>
+        </p:blipFill>
+        <p:spPr>
+          <a:xfrm>
+            <a:off x="280286" y="831521"/>
+            <a:ext cx="10457143" cy="847619"/>
+          </a:xfrm>
+          <a:prstGeom prst="rect">
+            <a:avLst/>
+          </a:prstGeom>
+        </p:spPr>
+      </p:pic>
+      <p:pic>
+        <p:nvPicPr>
+          <p:cNvPr id="7" name="Picture 6"/>
+          <p:cNvPicPr>
+            <a:picLocks noChangeAspect="1"/>
+          </p:cNvPicPr>
+          <p:nvPr/>
+        </p:nvPicPr>
+        <p:blipFill>
+          <a:blip r:embed="rId4"/>
+          <a:stretch>
+            <a:fillRect/>
+          </a:stretch>
+        </p:blipFill>
+        <p:spPr>
+          <a:xfrm>
+            <a:off x="280286" y="4827450"/>
+            <a:ext cx="11213094" cy="789896"/>
+          </a:xfrm>
+          <a:prstGeom prst="rect">
+            <a:avLst/>
+          </a:prstGeom>
+        </p:spPr>
+      </p:pic>
+      <p:sp>
+        <p:nvSpPr>
+          <p:cNvPr id="8" name="Line Callout 2 (Accent Bar) 7"/>
+          <p:cNvSpPr/>
+          <p:nvPr/>
+        </p:nvSpPr>
+        <p:spPr>
+          <a:xfrm>
+            <a:off x="2981160" y="1703722"/>
+            <a:ext cx="5255393" cy="818147"/>
+          </a:xfrm>
+          <a:prstGeom prst="accentCallout2">
+            <a:avLst>
+              <a:gd name="adj1" fmla="val 18750"/>
+              <a:gd name="adj2" fmla="val -8333"/>
+              <a:gd name="adj3" fmla="val 18750"/>
+              <a:gd name="adj4" fmla="val -16667"/>
+              <a:gd name="adj5" fmla="val -48154"/>
+              <a:gd name="adj6" fmla="val 5897"/>
+            </a:avLst>
+          </a:prstGeom>
+        </p:spPr>
+        <p:style>
+          <a:lnRef idx="2">
+            <a:schemeClr val="accent1">
+              <a:shade val="50000"/>
+            </a:schemeClr>
+          </a:lnRef>
+          <a:fillRef idx="1">
+            <a:schemeClr val="accent1"/>
+          </a:fillRef>
+          <a:effectRef idx="0">
+            <a:schemeClr val="accent1"/>
+          </a:effectRef>
+          <a:fontRef idx="minor">
+            <a:schemeClr val="lt1"/>
+          </a:fontRef>
+        </p:style>
+        <p:txBody>
+          <a:bodyPr rtlCol="0" anchor="ctr"/>
+          <a:lstStyle/>
+          <a:p>
+            <a:pPr algn="ctr"/>
+            <a:r>
+              <a:rPr lang="en-US" sz="1200" dirty="0" err="1" smtClean="0"/>
+              <a:t>Radac</a:t>
+            </a:r>
+            <a:r>
+              <a:rPr lang="en-US" sz="1200" dirty="0" smtClean="0"/>
+              <a:t> notifies that it has made a deposit. Toke can see that the deposit has indeed posted to the bank account, so she approves the notification.</a:t>
+            </a:r>
+            <a:endParaRPr lang="en-US" sz="1200" dirty="0"/>
+          </a:p>
+        </p:txBody>
+      </p:sp>
+      <p:sp>
+        <p:nvSpPr>
+          <p:cNvPr id="9" name="Line Callout 2 (Accent Bar) 8"/>
+          <p:cNvSpPr/>
+          <p:nvPr/>
+        </p:nvSpPr>
+        <p:spPr>
+          <a:xfrm>
+            <a:off x="5205664" y="3747102"/>
+            <a:ext cx="5255393" cy="818147"/>
+          </a:xfrm>
+          <a:prstGeom prst="accentCallout2">
+            <a:avLst>
+              <a:gd name="adj1" fmla="val 18750"/>
+              <a:gd name="adj2" fmla="val -8333"/>
+              <a:gd name="adj3" fmla="val 18750"/>
+              <a:gd name="adj4" fmla="val -16667"/>
+              <a:gd name="adj5" fmla="val -76389"/>
+              <a:gd name="adj6" fmla="val 4432"/>
+            </a:avLst>
+          </a:prstGeom>
+        </p:spPr>
+        <p:style>
+          <a:lnRef idx="2">
+            <a:schemeClr val="accent1">
+              <a:shade val="50000"/>
+            </a:schemeClr>
+          </a:lnRef>
+          <a:fillRef idx="1">
+            <a:schemeClr val="accent1"/>
+          </a:fillRef>
+          <a:effectRef idx="0">
+            <a:schemeClr val="accent1"/>
+          </a:effectRef>
+          <a:fontRef idx="minor">
+            <a:schemeClr val="lt1"/>
+          </a:fontRef>
+        </p:style>
+        <p:txBody>
+          <a:bodyPr rtlCol="0" anchor="ctr"/>
+          <a:lstStyle/>
+          <a:p>
+            <a:pPr algn="ctr"/>
+            <a:r>
+              <a:rPr lang="en-US" sz="1200" dirty="0" smtClean="0"/>
+              <a:t>Unfortunately, </a:t>
+            </a:r>
+            <a:r>
+              <a:rPr lang="en-US" sz="1200" dirty="0" err="1" smtClean="0"/>
+              <a:t>Radac</a:t>
+            </a:r>
+            <a:r>
+              <a:rPr lang="en-US" sz="1200" dirty="0" smtClean="0"/>
+              <a:t> used the Merchant Paga </a:t>
+            </a:r>
+            <a:r>
+              <a:rPr lang="en-US" sz="1200" dirty="0" err="1" smtClean="0"/>
+              <a:t>AccountID</a:t>
+            </a:r>
+            <a:r>
+              <a:rPr lang="en-US" sz="1200" dirty="0" smtClean="0"/>
+              <a:t> so the deposit gets credited to the Main </a:t>
+            </a:r>
+            <a:r>
+              <a:rPr lang="en-US" sz="1200" dirty="0" err="1" smtClean="0"/>
+              <a:t>DStv</a:t>
+            </a:r>
+            <a:r>
+              <a:rPr lang="en-US" sz="1200" dirty="0" smtClean="0"/>
+              <a:t> account instead of the dealer account.</a:t>
+            </a:r>
+            <a:endParaRPr lang="en-US" sz="1200" dirty="0"/>
+          </a:p>
+        </p:txBody>
+      </p:sp>
+      <p:sp>
+        <p:nvSpPr>
+          <p:cNvPr id="10" name="Line Callout 2 (Accent Bar) 9"/>
+          <p:cNvSpPr/>
+          <p:nvPr/>
+        </p:nvSpPr>
+        <p:spPr>
+          <a:xfrm>
+            <a:off x="6128085" y="5959308"/>
+            <a:ext cx="5255393" cy="818147"/>
+          </a:xfrm>
+          <a:prstGeom prst="accentCallout2">
+            <a:avLst>
+              <a:gd name="adj1" fmla="val 18750"/>
+              <a:gd name="adj2" fmla="val -8333"/>
+              <a:gd name="adj3" fmla="val 18750"/>
+              <a:gd name="adj4" fmla="val -16667"/>
+              <a:gd name="adj5" fmla="val -76389"/>
+              <a:gd name="adj6" fmla="val 4432"/>
+            </a:avLst>
+          </a:prstGeom>
+        </p:spPr>
+        <p:style>
+          <a:lnRef idx="2">
+            <a:schemeClr val="accent1">
+              <a:shade val="50000"/>
+            </a:schemeClr>
+          </a:lnRef>
+          <a:fillRef idx="1">
+            <a:schemeClr val="accent1"/>
+          </a:fillRef>
+          <a:effectRef idx="0">
+            <a:schemeClr val="accent1"/>
+          </a:effectRef>
+          <a:fontRef idx="minor">
+            <a:schemeClr val="lt1"/>
+          </a:fontRef>
+        </p:style>
+        <p:txBody>
+          <a:bodyPr rtlCol="0" anchor="ctr"/>
+          <a:lstStyle/>
+          <a:p>
+            <a:pPr algn="ctr"/>
+            <a:r>
+              <a:rPr lang="en-US" sz="1200" dirty="0" smtClean="0"/>
+              <a:t>At some point, the deposit gets credited to the correct dealer, but I’m not sure what has to happen to effect that change.</a:t>
+            </a:r>
+            <a:endParaRPr lang="en-US" sz="1200" dirty="0"/>
+          </a:p>
+        </p:txBody>
+      </p:sp>
+      <p:sp>
+        <p:nvSpPr>
+          <p:cNvPr id="11" name="TextBox 10"/>
           <p:cNvSpPr txBox="1"/>
           <p:nvPr/>
         </p:nvSpPr>
         <p:spPr>
           <a:xfrm>
-            <a:off x="457200" y="518160"/>
-            <a:ext cx="5426101" cy="369332"/>
+            <a:off x="211756" y="162514"/>
+            <a:ext cx="9505038" cy="369332"/>
           </a:xfrm>
           <a:prstGeom prst="rect">
             <a:avLst/>
@@ -6030,19 +6966,7 @@
           <a:p>
             <a:r>
               <a:rPr lang="en-US" dirty="0" smtClean="0"/>
-              <a:t>Step 2: Compare </a:t>
-            </a:r>
-            <a:r>
-              <a:rPr lang="en-US" smtClean="0"/>
-              <a:t>Dealer POS </a:t>
-            </a:r>
-            <a:r>
-              <a:rPr lang="en-US" dirty="0" smtClean="0"/>
-              <a:t>details to GL </a:t>
-            </a:r>
-            <a:r>
-              <a:rPr lang="en-US" smtClean="0"/>
-              <a:t>and Cash Pool</a:t>
+              <a:t>Example of how a dealer’s deposit notification amount could not balance with his cash pool credits.</a:t>
             </a:r>
             <a:endParaRPr lang="en-US" dirty="0"/>
           </a:p>
@@ -6051,7 +6975,317 @@
     </p:spTree>
     <p:extLst>
       <p:ext uri="{BB962C8B-B14F-4D97-AF65-F5344CB8AC3E}">
-        <p14:creationId xmlns:p14="http://schemas.microsoft.com/office/powerpoint/2010/main" val="1113104476"/>
+        <p14:creationId xmlns:p14="http://schemas.microsoft.com/office/powerpoint/2010/main" val="1549886323"/>
+      </p:ext>
+    </p:extLst>
+  </p:cSld>
+  <p:clrMapOvr>
+    <a:masterClrMapping/>
+  </p:clrMapOvr>
+  <p:timing>
+    <p:tnLst>
+      <p:par>
+        <p:cTn id="1" dur="indefinite" restart="never" nodeType="tmRoot"/>
+      </p:par>
+    </p:tnLst>
+  </p:timing>
+</p:sld>
+</file>
+
+<file path=ppt/slides/slide5.xml><?xml version="1.0" encoding="utf-8"?>
+<p:sld xmlns:a="http://schemas.openxmlformats.org/drawingml/2006/main" xmlns:r="http://schemas.openxmlformats.org/officeDocument/2006/relationships" xmlns:p="http://schemas.openxmlformats.org/presentationml/2006/main">
+  <p:cSld>
+    <p:spTree>
+      <p:nvGrpSpPr>
+        <p:cNvPr id="1" name=""/>
+        <p:cNvGrpSpPr/>
+        <p:nvPr/>
+      </p:nvGrpSpPr>
+      <p:grpSpPr>
+        <a:xfrm>
+          <a:off x="0" y="0"/>
+          <a:ext cx="0" cy="0"/>
+          <a:chOff x="0" y="0"/>
+          <a:chExt cx="0" cy="0"/>
+        </a:xfrm>
+      </p:grpSpPr>
+      <p:sp>
+        <p:nvSpPr>
+          <p:cNvPr id="2" name="TextBox 1"/>
+          <p:cNvSpPr txBox="1"/>
+          <p:nvPr/>
+        </p:nvSpPr>
+        <p:spPr>
+          <a:xfrm>
+            <a:off x="457200" y="1307431"/>
+            <a:ext cx="10871735" cy="1754326"/>
+          </a:xfrm>
+          <a:prstGeom prst="rect">
+            <a:avLst/>
+          </a:prstGeom>
+          <a:noFill/>
+        </p:spPr>
+        <p:txBody>
+          <a:bodyPr wrap="square" rtlCol="0">
+            <a:spAutoFit/>
+          </a:bodyPr>
+          <a:lstStyle/>
+          <a:p>
+            <a:r>
+              <a:rPr lang="en-US" dirty="0" smtClean="0"/>
+              <a:t>Step 4: </a:t>
+            </a:r>
+          </a:p>
+          <a:p>
+            <a:r>
+              <a:rPr lang="en-US" dirty="0" smtClean="0"/>
+              <a:t>Create Payment notification and dealer activity report and send to </a:t>
+            </a:r>
+            <a:r>
+              <a:rPr lang="en-US" dirty="0" err="1" smtClean="0"/>
+              <a:t>Tega</a:t>
+            </a:r>
+            <a:r>
+              <a:rPr lang="en-US" dirty="0" smtClean="0"/>
+              <a:t>.</a:t>
+            </a:r>
+          </a:p>
+          <a:p>
+            <a:endParaRPr lang="en-US" dirty="0"/>
+          </a:p>
+          <a:p>
+            <a:r>
+              <a:rPr lang="en-US" dirty="0" smtClean="0"/>
+              <a:t>Since this will be a report against the data warehouse – maybe all we need is button to bring up the merchant statement.</a:t>
+            </a:r>
+          </a:p>
+          <a:p>
+            <a:endParaRPr lang="en-US" dirty="0"/>
+          </a:p>
+        </p:txBody>
+      </p:sp>
+      <p:grpSp>
+        <p:nvGrpSpPr>
+          <p:cNvPr id="3" name="StickyNote"/>
+          <p:cNvGrpSpPr/>
+          <p:nvPr>
+            <p:custDataLst>
+              <p:custData r:id="rId1"/>
+            </p:custDataLst>
+          </p:nvPr>
+        </p:nvGrpSpPr>
+        <p:grpSpPr>
+          <a:xfrm>
+            <a:off x="7954209" y="456131"/>
+            <a:ext cx="2200443" cy="1485673"/>
+            <a:chOff x="3886199" y="2629127"/>
+            <a:chExt cx="2200443" cy="1485673"/>
+          </a:xfrm>
+        </p:grpSpPr>
+        <p:sp>
+          <p:nvSpPr>
+            <p:cNvPr id="4" name="Content"/>
+            <p:cNvSpPr>
+              <a:spLocks/>
+            </p:cNvSpPr>
+            <p:nvPr/>
+          </p:nvSpPr>
+          <p:spPr>
+            <a:xfrm>
+              <a:off x="3886199" y="2743200"/>
+              <a:ext cx="2200443" cy="1371600"/>
+            </a:xfrm>
+            <a:prstGeom prst="rect">
+              <a:avLst/>
+            </a:prstGeom>
+            <a:gradFill>
+              <a:gsLst>
+                <a:gs pos="100000">
+                  <a:srgbClr val="FFFF89"/>
+                </a:gs>
+                <a:gs pos="0">
+                  <a:srgbClr val="FFFF99"/>
+                </a:gs>
+              </a:gsLst>
+              <a:lin ang="5400000" scaled="0"/>
+            </a:gradFill>
+            <a:ln w="3175">
+              <a:solidFill>
+                <a:srgbClr val="FFFFFF">
+                  <a:lumMod val="50000"/>
+                </a:srgbClr>
+              </a:solidFill>
+            </a:ln>
+            <a:effectLst/>
+          </p:spPr>
+          <p:style>
+            <a:lnRef idx="2">
+              <a:srgbClr val="4F81BD">
+                <a:shade val="50000"/>
+              </a:srgbClr>
+            </a:lnRef>
+            <a:fillRef idx="1">
+              <a:srgbClr val="4F81BD"/>
+            </a:fillRef>
+            <a:effectRef idx="0">
+              <a:srgbClr val="4F81BD"/>
+            </a:effectRef>
+            <a:fontRef idx="minor">
+              <a:srgbClr val="000000"/>
+            </a:fontRef>
+          </p:style>
+          <p:txBody>
+            <a:bodyPr lIns="91440" tIns="137160" rIns="91440" bIns="45720" rtlCol="0" anchor="t" anchorCtr="0">
+              <a:normAutofit/>
+            </a:bodyPr>
+            <a:lstStyle/>
+            <a:p>
+              <a:r>
+                <a:rPr lang="en-US" sz="1200" dirty="0" smtClean="0">
+                  <a:solidFill>
+                    <a:sysClr val="windowText" lastClr="000000"/>
+                  </a:solidFill>
+                  <a:latin typeface="Segoe UI" pitchFamily="34" charset="0"/>
+                  <a:cs typeface="Segoe UI" pitchFamily="34" charset="0"/>
+                </a:rPr>
+                <a:t>We need to make sure the user waits for the data warehouse to refresh after the account corrections were made.</a:t>
+              </a:r>
+              <a:endParaRPr lang="en-US" sz="1200" dirty="0">
+                <a:solidFill>
+                  <a:sysClr val="windowText" lastClr="000000"/>
+                </a:solidFill>
+                <a:latin typeface="Segoe UI" pitchFamily="34" charset="0"/>
+                <a:cs typeface="Segoe UI" pitchFamily="34" charset="0"/>
+              </a:endParaRPr>
+            </a:p>
+          </p:txBody>
+        </p:sp>
+        <p:sp>
+          <p:nvSpPr>
+            <p:cNvPr id="5" name="Tape"/>
+            <p:cNvSpPr>
+              <a:spLocks/>
+            </p:cNvSpPr>
+            <p:nvPr/>
+          </p:nvSpPr>
+          <p:spPr>
+            <a:xfrm rot="401918">
+              <a:off x="4704506" y="2629127"/>
+              <a:ext cx="563828" cy="215444"/>
+            </a:xfrm>
+            <a:prstGeom prst="rect">
+              <a:avLst/>
+            </a:prstGeom>
+            <a:solidFill>
+              <a:srgbClr val="C00000"/>
+            </a:solidFill>
+            <a:ln w="3175" cap="flat" cmpd="sng" algn="ctr">
+              <a:solidFill>
+                <a:srgbClr val="FFFFFF">
+                  <a:lumMod val="50000"/>
+                </a:srgbClr>
+              </a:solidFill>
+              <a:prstDash val="solid"/>
+            </a:ln>
+            <a:effectLst/>
+          </p:spPr>
+          <p:txBody>
+            <a:bodyPr rot="0" spcFirstLastPara="0" vertOverflow="overflow" horzOverflow="overflow" vert="horz" wrap="square" lIns="45720" tIns="45720" rIns="91440" bIns="45720" numCol="1" spcCol="0" rtlCol="0" fromWordArt="0" anchor="ctr" anchorCtr="0" forceAA="0" compatLnSpc="1">
+              <a:prstTxWarp prst="textNoShape">
+                <a:avLst/>
+              </a:prstTxWarp>
+              <a:noAutofit/>
+            </a:bodyPr>
+            <a:lstStyle/>
+            <a:p>
+              <a:pPr marL="0" marR="0" indent="0" algn="ctr" defTabSz="914400" eaLnBrk="1" fontAlgn="auto" latinLnBrk="0" hangingPunct="1">
+                <a:lnSpc>
+                  <a:spcPct val="100000"/>
+                </a:lnSpc>
+                <a:spcBef>
+                  <a:spcPts val="0"/>
+                </a:spcBef>
+                <a:spcAft>
+                  <a:spcPts val="0"/>
+                </a:spcAft>
+                <a:buClrTx/>
+                <a:buSzTx/>
+                <a:buFontTx/>
+                <a:buNone/>
+                <a:tabLst/>
+              </a:pPr>
+              <a:endParaRPr kumimoji="0" lang="en-US" sz="800" b="0" i="0" u="none" strike="noStrike" kern="0" cap="none" spc="0" normalizeH="0" baseline="0" noProof="0" dirty="0" smtClean="0">
+                <a:ln>
+                  <a:noFill/>
+                </a:ln>
+                <a:solidFill>
+                  <a:srgbClr val="000000">
+                    <a:lumMod val="75000"/>
+                    <a:lumOff val="25000"/>
+                  </a:srgbClr>
+                </a:solidFill>
+                <a:effectLst/>
+                <a:uLnTx/>
+                <a:uFillTx/>
+                <a:latin typeface="Segoe UI"/>
+                <a:ea typeface="+mn-ea"/>
+                <a:cs typeface="+mn-cs"/>
+              </a:endParaRPr>
+            </a:p>
+          </p:txBody>
+        </p:sp>
+      </p:grpSp>
+      <p:sp>
+        <p:nvSpPr>
+          <p:cNvPr id="6" name="TextBox 5"/>
+          <p:cNvSpPr txBox="1"/>
+          <p:nvPr/>
+        </p:nvSpPr>
+        <p:spPr>
+          <a:xfrm>
+            <a:off x="457200" y="3665463"/>
+            <a:ext cx="10871735" cy="1477328"/>
+          </a:xfrm>
+          <a:prstGeom prst="rect">
+            <a:avLst/>
+          </a:prstGeom>
+          <a:noFill/>
+        </p:spPr>
+        <p:txBody>
+          <a:bodyPr wrap="square" rtlCol="0">
+            <a:spAutoFit/>
+          </a:bodyPr>
+          <a:lstStyle/>
+          <a:p>
+            <a:r>
+              <a:rPr lang="en-US" dirty="0" smtClean="0"/>
+              <a:t>Step 5: </a:t>
+            </a:r>
+          </a:p>
+          <a:p>
+            <a:r>
+              <a:rPr lang="en-US" dirty="0" smtClean="0"/>
+              <a:t>Review and update possible dealer remittances that cannot be mapped appropriately.</a:t>
+            </a:r>
+          </a:p>
+          <a:p>
+            <a:endParaRPr lang="en-US" dirty="0"/>
+          </a:p>
+          <a:p>
+            <a:r>
+              <a:rPr lang="en-US" i="1" dirty="0"/>
+              <a:t>TO DO: Get more information from Toke on how this works.</a:t>
+            </a:r>
+          </a:p>
+          <a:p>
+            <a:endParaRPr lang="en-US" dirty="0"/>
+          </a:p>
+        </p:txBody>
+      </p:sp>
+    </p:spTree>
+    <p:extLst>
+      <p:ext uri="{BB962C8B-B14F-4D97-AF65-F5344CB8AC3E}">
+        <p14:creationId xmlns:p14="http://schemas.microsoft.com/office/powerpoint/2010/main" val="1397935671"/>
       </p:ext>
     </p:extLst>
   </p:cSld>
@@ -6343,7 +7577,7 @@
 
 <file path=customXml/item11.xml><?xml version="1.0" encoding="utf-8"?>
 <Control xmlns="http://schemas.microsoft.com/VisualStudio/2011/storyboarding/control">
-  <Id Name="System.Storyboarding.Common.Text" Revision="1" Stencil="System.Storyboarding.Common" StencilVersion="0.1"/>
+  <Id Name="System.Storyboarding.WindowsAppIcons.Filter" Revision="1" Stencil="System.Storyboarding.WindowsAppIcons" StencilVersion="0.1"/>
 </Control>
 </file>
 
@@ -6355,25 +7589,25 @@
 
 <file path=customXml/item2.xml><?xml version="1.0" encoding="utf-8"?>
 <Control xmlns="http://schemas.microsoft.com/VisualStudio/2011/storyboarding/control">
-  <Id Name="System.Storyboarding.WindowsAppIcons.Filter" Revision="1" Stencil="System.Storyboarding.WindowsAppIcons" StencilVersion="0.1"/>
+  <Id Name="System.Storyboarding.Common.Text" Revision="1" Stencil="System.Storyboarding.Common" StencilVersion="0.1"/>
 </Control>
 </file>
 
 <file path=customXml/item3.xml><?xml version="1.0" encoding="utf-8"?>
 <Control xmlns="http://schemas.microsoft.com/VisualStudio/2011/storyboarding/control">
-  <Id Name="System.Storyboarding.Common.DatePicker" Revision="1" Stencil="System.Storyboarding.Common" StencilVersion="0.1"/>
+  <Id Name="System.Storyboarding.Common.Text" Revision="1" Stencil="System.Storyboarding.Common" StencilVersion="0.1"/>
 </Control>
 </file>
 
 <file path=customXml/item4.xml><?xml version="1.0" encoding="utf-8"?>
 <Control xmlns="http://schemas.microsoft.com/VisualStudio/2011/storyboarding/control">
-  <Id Name="System.Storyboarding.Common.DatePicker" Revision="1" Stencil="System.Storyboarding.Common" StencilVersion="0.1"/>
+  <Id Name="System.Storyboarding.Annotation.StickyNote" Revision="1" Stencil="System.Storyboarding.Annotation" StencilVersion="0.1"/>
 </Control>
 </file>
 
 <file path=customXml/item5.xml><?xml version="1.0" encoding="utf-8"?>
 <Control xmlns="http://schemas.microsoft.com/VisualStudio/2011/storyboarding/control">
-  <Id Name="System.Storyboarding.Common.Text" Revision="1" Stencil="System.Storyboarding.Common" StencilVersion="0.1"/>
+  <Id Name="System.Storyboarding.Common.DatePicker" Revision="1" Stencil="System.Storyboarding.Common" StencilVersion="0.1"/>
 </Control>
 </file>
 
@@ -6391,7 +7625,7 @@
 
 <file path=customXml/item8.xml><?xml version="1.0" encoding="utf-8"?>
 <Control xmlns="http://schemas.microsoft.com/VisualStudio/2011/storyboarding/control">
-  <Id Name="System.Storyboarding.Common.Text" Revision="1" Stencil="System.Storyboarding.Common" StencilVersion="0.1"/>
+  <Id Name="System.Storyboarding.Common.DatePicker" Revision="1" Stencil="System.Storyboarding.Common" StencilVersion="0.1"/>
 </Control>
 </file>
 
@@ -6410,6 +7644,46 @@
 </file>
 
 <file path=customXml/itemProps10.xml><?xml version="1.0" encoding="utf-8"?>
+<ds:datastoreItem xmlns:ds="http://schemas.openxmlformats.org/officeDocument/2006/customXml" ds:itemID="{FDF84383-2328-4959-84B5-FE7F4186DE84}">
+  <ds:schemaRefs>
+    <ds:schemaRef ds:uri="http://schemas.microsoft.com/VisualStudio/2011/storyboarding/control"/>
+  </ds:schemaRefs>
+</ds:datastoreItem>
+</file>
+
+<file path=customXml/itemProps11.xml><?xml version="1.0" encoding="utf-8"?>
+<ds:datastoreItem xmlns:ds="http://schemas.openxmlformats.org/officeDocument/2006/customXml" ds:itemID="{1572F07E-F012-4440-AF1B-454152BDD02B}">
+  <ds:schemaRefs>
+    <ds:schemaRef ds:uri="http://schemas.microsoft.com/VisualStudio/2011/storyboarding/control"/>
+  </ds:schemaRefs>
+</ds:datastoreItem>
+</file>
+
+<file path=customXml/itemProps12.xml><?xml version="1.0" encoding="utf-8"?>
+<ds:datastoreItem xmlns:ds="http://schemas.openxmlformats.org/officeDocument/2006/customXml" ds:itemID="{9D00437E-A37A-4930-B89F-B28A9AAA42A6}">
+  <ds:schemaRefs>
+    <ds:schemaRef ds:uri="http://schemas.microsoft.com/VisualStudio/2011/storyboarding/control"/>
+  </ds:schemaRefs>
+</ds:datastoreItem>
+</file>
+
+<file path=customXml/itemProps2.xml><?xml version="1.0" encoding="utf-8"?>
+<ds:datastoreItem xmlns:ds="http://schemas.openxmlformats.org/officeDocument/2006/customXml" ds:itemID="{E11630AF-E4CF-4908-BE0A-7B7918085718}">
+  <ds:schemaRefs>
+    <ds:schemaRef ds:uri="http://schemas.microsoft.com/VisualStudio/2011/storyboarding/control"/>
+  </ds:schemaRefs>
+</ds:datastoreItem>
+</file>
+
+<file path=customXml/itemProps3.xml><?xml version="1.0" encoding="utf-8"?>
+<ds:datastoreItem xmlns:ds="http://schemas.openxmlformats.org/officeDocument/2006/customXml" ds:itemID="{E8078D76-67D8-4D1C-BFA5-59684A8FC371}">
+  <ds:schemaRefs>
+    <ds:schemaRef ds:uri="http://schemas.microsoft.com/VisualStudio/2011/storyboarding/control"/>
+  </ds:schemaRefs>
+</ds:datastoreItem>
+</file>
+
+<file path=customXml/itemProps4.xml><?xml version="1.0" encoding="utf-8"?>
 <ds:datastoreItem xmlns:ds="http://schemas.openxmlformats.org/officeDocument/2006/customXml" ds:itemID="{B0AA225A-CEB0-41AE-A754-773358E065E5}">
   <ds:schemaRefs>
     <ds:schemaRef ds:uri="http://schemas.microsoft.com/VisualStudio/2011/storyboarding/control"/>
@@ -6417,31 +7691,31 @@
 </ds:datastoreItem>
 </file>
 
-<file path=customXml/itemProps11.xml><?xml version="1.0" encoding="utf-8"?>
-<ds:datastoreItem xmlns:ds="http://schemas.openxmlformats.org/officeDocument/2006/customXml" ds:itemID="{FCCE8E0A-7C5E-4E5A-89FC-07B399D8F5AD}">
+<file path=customXml/itemProps5.xml><?xml version="1.0" encoding="utf-8"?>
+<ds:datastoreItem xmlns:ds="http://schemas.openxmlformats.org/officeDocument/2006/customXml" ds:itemID="{435DBB22-20AA-49FF-8261-7FF95FB8A8D0}">
   <ds:schemaRefs>
     <ds:schemaRef ds:uri="http://schemas.microsoft.com/VisualStudio/2011/storyboarding/control"/>
   </ds:schemaRefs>
 </ds:datastoreItem>
 </file>
 
-<file path=customXml/itemProps12.xml><?xml version="1.0" encoding="utf-8"?>
-<ds:datastoreItem xmlns:ds="http://schemas.openxmlformats.org/officeDocument/2006/customXml" ds:itemID="{FDF84383-2328-4959-84B5-FE7F4186DE84}">
+<file path=customXml/itemProps6.xml><?xml version="1.0" encoding="utf-8"?>
+<ds:datastoreItem xmlns:ds="http://schemas.openxmlformats.org/officeDocument/2006/customXml" ds:itemID="{67BC1B20-D569-4911-9485-2692B64DB67C}">
   <ds:schemaRefs>
     <ds:schemaRef ds:uri="http://schemas.microsoft.com/VisualStudio/2011/storyboarding/control"/>
   </ds:schemaRefs>
 </ds:datastoreItem>
 </file>
 
-<file path=customXml/itemProps2.xml><?xml version="1.0" encoding="utf-8"?>
-<ds:datastoreItem xmlns:ds="http://schemas.openxmlformats.org/officeDocument/2006/customXml" ds:itemID="{1572F07E-F012-4440-AF1B-454152BDD02B}">
+<file path=customXml/itemProps7.xml><?xml version="1.0" encoding="utf-8"?>
+<ds:datastoreItem xmlns:ds="http://schemas.openxmlformats.org/officeDocument/2006/customXml" ds:itemID="{840CAEE6-1A3B-4416-BA84-A83D681C6373}">
   <ds:schemaRefs>
     <ds:schemaRef ds:uri="http://schemas.microsoft.com/VisualStudio/2011/storyboarding/control"/>
   </ds:schemaRefs>
 </ds:datastoreItem>
 </file>
 
-<file path=customXml/itemProps3.xml><?xml version="1.0" encoding="utf-8"?>
+<file path=customXml/itemProps8.xml><?xml version="1.0" encoding="utf-8"?>
 <ds:datastoreItem xmlns:ds="http://schemas.openxmlformats.org/officeDocument/2006/customXml" ds:itemID="{9F951171-CABF-4D7D-BB44-59476407C0AD}">
   <ds:schemaRefs>
     <ds:schemaRef ds:uri="http://schemas.microsoft.com/VisualStudio/2011/storyboarding/control"/>
@@ -6449,50 +7723,10 @@
 </ds:datastoreItem>
 </file>
 
-<file path=customXml/itemProps4.xml><?xml version="1.0" encoding="utf-8"?>
-<ds:datastoreItem xmlns:ds="http://schemas.openxmlformats.org/officeDocument/2006/customXml" ds:itemID="{435DBB22-20AA-49FF-8261-7FF95FB8A8D0}">
-  <ds:schemaRefs>
-    <ds:schemaRef ds:uri="http://schemas.microsoft.com/VisualStudio/2011/storyboarding/control"/>
-  </ds:schemaRefs>
-</ds:datastoreItem>
-</file>
-
-<file path=customXml/itemProps5.xml><?xml version="1.0" encoding="utf-8"?>
-<ds:datastoreItem xmlns:ds="http://schemas.openxmlformats.org/officeDocument/2006/customXml" ds:itemID="{E8078D76-67D8-4D1C-BFA5-59684A8FC371}">
-  <ds:schemaRefs>
-    <ds:schemaRef ds:uri="http://schemas.microsoft.com/VisualStudio/2011/storyboarding/control"/>
-  </ds:schemaRefs>
-</ds:datastoreItem>
-</file>
-
-<file path=customXml/itemProps6.xml><?xml version="1.0" encoding="utf-8"?>
-<ds:datastoreItem xmlns:ds="http://schemas.openxmlformats.org/officeDocument/2006/customXml" ds:itemID="{E11630AF-E4CF-4908-BE0A-7B7918085718}">
-  <ds:schemaRefs>
-    <ds:schemaRef ds:uri="http://schemas.microsoft.com/VisualStudio/2011/storyboarding/control"/>
-  </ds:schemaRefs>
-</ds:datastoreItem>
-</file>
-
-<file path=customXml/itemProps7.xml><?xml version="1.0" encoding="utf-8"?>
+<file path=customXml/itemProps9.xml><?xml version="1.0" encoding="utf-8"?>
 <ds:datastoreItem xmlns:ds="http://schemas.openxmlformats.org/officeDocument/2006/customXml" ds:itemID="{64A31E1B-F0DA-4F8A-BB41-065D17411B62}">
   <ds:schemaRefs>
     <ds:schemaRef ds:uri="http://schemas.microsoft.com/VisualStudio/2011/storyboarding/control"/>
   </ds:schemaRefs>
 </ds:datastoreItem>
-</file>
-
-<file path=customXml/itemProps8.xml><?xml version="1.0" encoding="utf-8"?>
-<ds:datastoreItem xmlns:ds="http://schemas.openxmlformats.org/officeDocument/2006/customXml" ds:itemID="{840CAEE6-1A3B-4416-BA84-A83D681C6373}">
-  <ds:schemaRefs>
-    <ds:schemaRef ds:uri="http://schemas.microsoft.com/VisualStudio/2011/storyboarding/control"/>
-  </ds:schemaRefs>
-</ds:datastoreItem>
-</file>
-
-<file path=customXml/itemProps9.xml><?xml version="1.0" encoding="utf-8"?>
-<ds:datastoreItem xmlns:ds="http://schemas.openxmlformats.org/officeDocument/2006/customXml" ds:itemID="{67BC1B20-D569-4911-9485-2692B64DB67C}">
-  <ds:schemaRefs>
-    <ds:schemaRef ds:uri="http://schemas.microsoft.com/VisualStudio/2011/storyboarding/control"/>
-  </ds:schemaRefs>
-</ds:datastoreItem>
 </file>